--- a/자료/sqld/DB_PPT/3장. 데이터 모델링.pptx
+++ b/자료/sqld/DB_PPT/3장. 데이터 모델링.pptx
@@ -5,7 +5,7 @@
     <p:sldMasterId id="2147483648" r:id="rId1"/>
   </p:sldMasterIdLst>
   <p:notesMasterIdLst>
-    <p:notesMasterId r:id="rId34"/>
+    <p:notesMasterId r:id="rId33"/>
   </p:notesMasterIdLst>
   <p:sldIdLst>
     <p:sldId id="256" r:id="rId2"/>
@@ -34,12 +34,11 @@
     <p:sldId id="321" r:id="rId25"/>
     <p:sldId id="323" r:id="rId26"/>
     <p:sldId id="322" r:id="rId27"/>
-    <p:sldId id="307" r:id="rId28"/>
-    <p:sldId id="293" r:id="rId29"/>
-    <p:sldId id="279" r:id="rId30"/>
+    <p:sldId id="326" r:id="rId28"/>
+    <p:sldId id="325" r:id="rId29"/>
+    <p:sldId id="307" r:id="rId30"/>
     <p:sldId id="288" r:id="rId31"/>
     <p:sldId id="291" r:id="rId32"/>
-    <p:sldId id="292" r:id="rId33"/>
   </p:sldIdLst>
   <p:sldSz cx="9144000" cy="6858000" type="screen4x3"/>
   <p:notesSz cx="6858000" cy="9144000"/>
@@ -1157,6 +1156,14 @@
         </dgm:presLayoutVars>
       </dgm:prSet>
       <dgm:spPr/>
+      <dgm:t>
+        <a:bodyPr/>
+        <a:lstStyle/>
+        <a:p>
+          <a:pPr latinLnBrk="1"/>
+          <a:endParaRPr lang="ko-KR" altLang="en-US"/>
+        </a:p>
+      </dgm:t>
     </dgm:pt>
     <dgm:pt modelId="{439018BA-4C5C-4946-8D29-A8D2C1E0816C}" type="pres">
       <dgm:prSet presAssocID="{E5141E15-659B-441E-AD36-3BC69F42A707}" presName="node" presStyleLbl="node1" presStyleIdx="0" presStyleCnt="5">
@@ -1165,14 +1172,38 @@
         </dgm:presLayoutVars>
       </dgm:prSet>
       <dgm:spPr/>
+      <dgm:t>
+        <a:bodyPr/>
+        <a:lstStyle/>
+        <a:p>
+          <a:pPr latinLnBrk="1"/>
+          <a:endParaRPr lang="ko-KR" altLang="en-US"/>
+        </a:p>
+      </dgm:t>
     </dgm:pt>
     <dgm:pt modelId="{5E26E228-96ED-4396-BE66-2E0048DAC4C4}" type="pres">
       <dgm:prSet presAssocID="{2EE69B36-9370-44D0-9AF3-8DD379BF0EB0}" presName="sibTrans" presStyleLbl="sibTrans2D1" presStyleIdx="0" presStyleCnt="5"/>
       <dgm:spPr/>
+      <dgm:t>
+        <a:bodyPr/>
+        <a:lstStyle/>
+        <a:p>
+          <a:pPr latinLnBrk="1"/>
+          <a:endParaRPr lang="ko-KR" altLang="en-US"/>
+        </a:p>
+      </dgm:t>
     </dgm:pt>
     <dgm:pt modelId="{0E68D6E8-1E86-4990-9A07-1060A4D211DE}" type="pres">
       <dgm:prSet presAssocID="{2EE69B36-9370-44D0-9AF3-8DD379BF0EB0}" presName="connectorText" presStyleLbl="sibTrans2D1" presStyleIdx="0" presStyleCnt="5"/>
       <dgm:spPr/>
+      <dgm:t>
+        <a:bodyPr/>
+        <a:lstStyle/>
+        <a:p>
+          <a:pPr latinLnBrk="1"/>
+          <a:endParaRPr lang="ko-KR" altLang="en-US"/>
+        </a:p>
+      </dgm:t>
     </dgm:pt>
     <dgm:pt modelId="{421568AF-3973-4FC5-9097-8CEE7717B317}" type="pres">
       <dgm:prSet presAssocID="{DAE9C7F2-3DFB-4AFC-BF48-D083E78C5A9F}" presName="node" presStyleLbl="node1" presStyleIdx="1" presStyleCnt="5">
@@ -1181,14 +1212,38 @@
         </dgm:presLayoutVars>
       </dgm:prSet>
       <dgm:spPr/>
+      <dgm:t>
+        <a:bodyPr/>
+        <a:lstStyle/>
+        <a:p>
+          <a:pPr latinLnBrk="1"/>
+          <a:endParaRPr lang="ko-KR" altLang="en-US"/>
+        </a:p>
+      </dgm:t>
     </dgm:pt>
     <dgm:pt modelId="{56BB8731-5502-4A1D-8A75-F03A5D4F6149}" type="pres">
       <dgm:prSet presAssocID="{E799D5E6-0BEC-46C7-8837-EF1F8AB4B162}" presName="sibTrans" presStyleLbl="sibTrans2D1" presStyleIdx="1" presStyleCnt="5"/>
       <dgm:spPr/>
+      <dgm:t>
+        <a:bodyPr/>
+        <a:lstStyle/>
+        <a:p>
+          <a:pPr latinLnBrk="1"/>
+          <a:endParaRPr lang="ko-KR" altLang="en-US"/>
+        </a:p>
+      </dgm:t>
     </dgm:pt>
     <dgm:pt modelId="{982731E6-7C8D-4516-B83E-3067980C0852}" type="pres">
       <dgm:prSet presAssocID="{E799D5E6-0BEC-46C7-8837-EF1F8AB4B162}" presName="connectorText" presStyleLbl="sibTrans2D1" presStyleIdx="1" presStyleCnt="5"/>
       <dgm:spPr/>
+      <dgm:t>
+        <a:bodyPr/>
+        <a:lstStyle/>
+        <a:p>
+          <a:pPr latinLnBrk="1"/>
+          <a:endParaRPr lang="ko-KR" altLang="en-US"/>
+        </a:p>
+      </dgm:t>
     </dgm:pt>
     <dgm:pt modelId="{948F2AEA-B935-49A7-9B68-9A906A070FF9}" type="pres">
       <dgm:prSet presAssocID="{AB968D4A-FAE2-4B19-889C-887CBE5EA6B0}" presName="node" presStyleLbl="node1" presStyleIdx="2" presStyleCnt="5">
@@ -1197,14 +1252,38 @@
         </dgm:presLayoutVars>
       </dgm:prSet>
       <dgm:spPr/>
+      <dgm:t>
+        <a:bodyPr/>
+        <a:lstStyle/>
+        <a:p>
+          <a:pPr latinLnBrk="1"/>
+          <a:endParaRPr lang="ko-KR" altLang="en-US"/>
+        </a:p>
+      </dgm:t>
     </dgm:pt>
     <dgm:pt modelId="{AA30D35A-55CD-41D9-8EF7-6D027A262869}" type="pres">
       <dgm:prSet presAssocID="{7E81FFDE-2A55-45F8-9851-0C2BB25E07A9}" presName="sibTrans" presStyleLbl="sibTrans2D1" presStyleIdx="2" presStyleCnt="5"/>
       <dgm:spPr/>
+      <dgm:t>
+        <a:bodyPr/>
+        <a:lstStyle/>
+        <a:p>
+          <a:pPr latinLnBrk="1"/>
+          <a:endParaRPr lang="ko-KR" altLang="en-US"/>
+        </a:p>
+      </dgm:t>
     </dgm:pt>
     <dgm:pt modelId="{F1B55332-FAB2-4271-97BB-E6069A516382}" type="pres">
       <dgm:prSet presAssocID="{7E81FFDE-2A55-45F8-9851-0C2BB25E07A9}" presName="connectorText" presStyleLbl="sibTrans2D1" presStyleIdx="2" presStyleCnt="5"/>
       <dgm:spPr/>
+      <dgm:t>
+        <a:bodyPr/>
+        <a:lstStyle/>
+        <a:p>
+          <a:pPr latinLnBrk="1"/>
+          <a:endParaRPr lang="ko-KR" altLang="en-US"/>
+        </a:p>
+      </dgm:t>
     </dgm:pt>
     <dgm:pt modelId="{34D8D507-140E-4894-89A3-691AC4218A59}" type="pres">
       <dgm:prSet presAssocID="{E2EE0FE7-6548-4307-8F88-942884E0C2CB}" presName="node" presStyleLbl="node1" presStyleIdx="3" presStyleCnt="5">
@@ -1213,14 +1292,38 @@
         </dgm:presLayoutVars>
       </dgm:prSet>
       <dgm:spPr/>
+      <dgm:t>
+        <a:bodyPr/>
+        <a:lstStyle/>
+        <a:p>
+          <a:pPr latinLnBrk="1"/>
+          <a:endParaRPr lang="ko-KR" altLang="en-US"/>
+        </a:p>
+      </dgm:t>
     </dgm:pt>
     <dgm:pt modelId="{99B508E7-11D9-4C97-BFC1-55E17213F979}" type="pres">
       <dgm:prSet presAssocID="{2FC1DC60-3C38-4067-B665-FC4E1270A0CC}" presName="sibTrans" presStyleLbl="sibTrans2D1" presStyleIdx="3" presStyleCnt="5"/>
       <dgm:spPr/>
+      <dgm:t>
+        <a:bodyPr/>
+        <a:lstStyle/>
+        <a:p>
+          <a:pPr latinLnBrk="1"/>
+          <a:endParaRPr lang="ko-KR" altLang="en-US"/>
+        </a:p>
+      </dgm:t>
     </dgm:pt>
     <dgm:pt modelId="{6251B512-2A86-4867-9A40-C26A710645F5}" type="pres">
       <dgm:prSet presAssocID="{2FC1DC60-3C38-4067-B665-FC4E1270A0CC}" presName="connectorText" presStyleLbl="sibTrans2D1" presStyleIdx="3" presStyleCnt="5"/>
       <dgm:spPr/>
+      <dgm:t>
+        <a:bodyPr/>
+        <a:lstStyle/>
+        <a:p>
+          <a:pPr latinLnBrk="1"/>
+          <a:endParaRPr lang="ko-KR" altLang="en-US"/>
+        </a:p>
+      </dgm:t>
     </dgm:pt>
     <dgm:pt modelId="{5BAB15F8-713D-47B5-A0B9-06168F90B64D}" type="pres">
       <dgm:prSet presAssocID="{9000C89B-90C7-492E-9517-62C2E27818FC}" presName="node" presStyleLbl="node1" presStyleIdx="4" presStyleCnt="5">
@@ -1229,38 +1332,62 @@
         </dgm:presLayoutVars>
       </dgm:prSet>
       <dgm:spPr/>
+      <dgm:t>
+        <a:bodyPr/>
+        <a:lstStyle/>
+        <a:p>
+          <a:pPr latinLnBrk="1"/>
+          <a:endParaRPr lang="ko-KR" altLang="en-US"/>
+        </a:p>
+      </dgm:t>
     </dgm:pt>
     <dgm:pt modelId="{A8EE8E10-6135-4E3A-8D1A-252D37F56FA3}" type="pres">
       <dgm:prSet presAssocID="{B78B9E39-7085-4DE9-AE11-0B4D6E86EAEF}" presName="sibTrans" presStyleLbl="sibTrans2D1" presStyleIdx="4" presStyleCnt="5"/>
       <dgm:spPr/>
+      <dgm:t>
+        <a:bodyPr/>
+        <a:lstStyle/>
+        <a:p>
+          <a:pPr latinLnBrk="1"/>
+          <a:endParaRPr lang="ko-KR" altLang="en-US"/>
+        </a:p>
+      </dgm:t>
     </dgm:pt>
     <dgm:pt modelId="{BC71972C-1562-402B-9049-E9F63790B4A1}" type="pres">
       <dgm:prSet presAssocID="{B78B9E39-7085-4DE9-AE11-0B4D6E86EAEF}" presName="connectorText" presStyleLbl="sibTrans2D1" presStyleIdx="4" presStyleCnt="5"/>
       <dgm:spPr/>
+      <dgm:t>
+        <a:bodyPr/>
+        <a:lstStyle/>
+        <a:p>
+          <a:pPr latinLnBrk="1"/>
+          <a:endParaRPr lang="ko-KR" altLang="en-US"/>
+        </a:p>
+      </dgm:t>
     </dgm:pt>
   </dgm:ptLst>
   <dgm:cxnLst>
+    <dgm:cxn modelId="{8B71CDD3-E641-4771-A984-9EB6C3725781}" type="presOf" srcId="{2EE69B36-9370-44D0-9AF3-8DD379BF0EB0}" destId="{0E68D6E8-1E86-4990-9A07-1060A4D211DE}" srcOrd="1" destOrd="0" presId="urn:microsoft.com/office/officeart/2005/8/layout/cycle2"/>
+    <dgm:cxn modelId="{8CDCB684-5E43-4E50-8F31-D7E3973FB818}" srcId="{78FED826-A33C-4069-973E-24B9A550AC53}" destId="{AB968D4A-FAE2-4B19-889C-887CBE5EA6B0}" srcOrd="2" destOrd="0" parTransId="{35F0D23C-823E-401E-9499-490D3B65C29D}" sibTransId="{7E81FFDE-2A55-45F8-9851-0C2BB25E07A9}"/>
+    <dgm:cxn modelId="{11F52EC5-56AF-490E-B915-806C9E135FD4}" type="presOf" srcId="{78FED826-A33C-4069-973E-24B9A550AC53}" destId="{6BAA2D26-6EA1-4869-A3DC-C2B1851025FD}" srcOrd="0" destOrd="0" presId="urn:microsoft.com/office/officeart/2005/8/layout/cycle2"/>
     <dgm:cxn modelId="{6FDCE120-4A15-49F4-AD97-785EF5FE591E}" type="presOf" srcId="{B78B9E39-7085-4DE9-AE11-0B4D6E86EAEF}" destId="{A8EE8E10-6135-4E3A-8D1A-252D37F56FA3}" srcOrd="0" destOrd="0" presId="urn:microsoft.com/office/officeart/2005/8/layout/cycle2"/>
-    <dgm:cxn modelId="{E8774023-9CB1-4A71-89D6-DD752961C764}" type="presOf" srcId="{E799D5E6-0BEC-46C7-8837-EF1F8AB4B162}" destId="{982731E6-7C8D-4516-B83E-3067980C0852}" srcOrd="1" destOrd="0" presId="urn:microsoft.com/office/officeart/2005/8/layout/cycle2"/>
-    <dgm:cxn modelId="{17A7682A-CA1F-4DE0-9773-4549A218140B}" type="presOf" srcId="{7E81FFDE-2A55-45F8-9851-0C2BB25E07A9}" destId="{AA30D35A-55CD-41D9-8EF7-6D027A262869}" srcOrd="0" destOrd="0" presId="urn:microsoft.com/office/officeart/2005/8/layout/cycle2"/>
-    <dgm:cxn modelId="{67702237-9BB6-4F30-9B6D-D2181FE2150D}" type="presOf" srcId="{E5141E15-659B-441E-AD36-3BC69F42A707}" destId="{439018BA-4C5C-4946-8D29-A8D2C1E0816C}" srcOrd="0" destOrd="0" presId="urn:microsoft.com/office/officeart/2005/8/layout/cycle2"/>
     <dgm:cxn modelId="{82277A3B-3540-46D0-AC24-A6C6ADBC94FA}" srcId="{78FED826-A33C-4069-973E-24B9A550AC53}" destId="{E5141E15-659B-441E-AD36-3BC69F42A707}" srcOrd="0" destOrd="0" parTransId="{DDE83EB9-AD16-46A4-8471-915D26568445}" sibTransId="{2EE69B36-9370-44D0-9AF3-8DD379BF0EB0}"/>
     <dgm:cxn modelId="{9211174F-0F09-4FDB-A44F-C82F03F2679C}" srcId="{78FED826-A33C-4069-973E-24B9A550AC53}" destId="{E2EE0FE7-6548-4307-8F88-942884E0C2CB}" srcOrd="3" destOrd="0" parTransId="{8E2052C3-FB99-4DEA-8D02-4DAA96188DB1}" sibTransId="{2FC1DC60-3C38-4067-B665-FC4E1270A0CC}"/>
+    <dgm:cxn modelId="{51FBEAD3-7726-46D0-A99F-8AB32251B4B3}" type="presOf" srcId="{B78B9E39-7085-4DE9-AE11-0B4D6E86EAEF}" destId="{BC71972C-1562-402B-9049-E9F63790B4A1}" srcOrd="1" destOrd="0" presId="urn:microsoft.com/office/officeart/2005/8/layout/cycle2"/>
+    <dgm:cxn modelId="{17A7682A-CA1F-4DE0-9773-4549A218140B}" type="presOf" srcId="{7E81FFDE-2A55-45F8-9851-0C2BB25E07A9}" destId="{AA30D35A-55CD-41D9-8EF7-6D027A262869}" srcOrd="0" destOrd="0" presId="urn:microsoft.com/office/officeart/2005/8/layout/cycle2"/>
+    <dgm:cxn modelId="{5C14228C-56C8-45B0-A58A-46CEDCD237B5}" type="presOf" srcId="{E2EE0FE7-6548-4307-8F88-942884E0C2CB}" destId="{34D8D507-140E-4894-89A3-691AC4218A59}" srcOrd="0" destOrd="0" presId="urn:microsoft.com/office/officeart/2005/8/layout/cycle2"/>
+    <dgm:cxn modelId="{52B5A6C6-EE40-45FF-90B5-9E6667563B11}" type="presOf" srcId="{AB968D4A-FAE2-4B19-889C-887CBE5EA6B0}" destId="{948F2AEA-B935-49A7-9B68-9A906A070FF9}" srcOrd="0" destOrd="0" presId="urn:microsoft.com/office/officeart/2005/8/layout/cycle2"/>
+    <dgm:cxn modelId="{791C9A9C-63FE-4962-8A53-F9EC2B37C044}" type="presOf" srcId="{DAE9C7F2-3DFB-4AFC-BF48-D083E78C5A9F}" destId="{421568AF-3973-4FC5-9097-8CEE7717B317}" srcOrd="0" destOrd="0" presId="urn:microsoft.com/office/officeart/2005/8/layout/cycle2"/>
     <dgm:cxn modelId="{BBE6BF51-E48A-40E9-A73C-1327ABB9BE2D}" type="presOf" srcId="{7E81FFDE-2A55-45F8-9851-0C2BB25E07A9}" destId="{F1B55332-FAB2-4271-97BB-E6069A516382}" srcOrd="1" destOrd="0" presId="urn:microsoft.com/office/officeart/2005/8/layout/cycle2"/>
+    <dgm:cxn modelId="{CEBFEAD9-F0BA-4D11-8B54-F176C5C360C2}" type="presOf" srcId="{2EE69B36-9370-44D0-9AF3-8DD379BF0EB0}" destId="{5E26E228-96ED-4396-BE66-2E0048DAC4C4}" srcOrd="0" destOrd="0" presId="urn:microsoft.com/office/officeart/2005/8/layout/cycle2"/>
+    <dgm:cxn modelId="{B4C3547C-47DD-4EBE-9A0C-E0077E6C3F76}" type="presOf" srcId="{2FC1DC60-3C38-4067-B665-FC4E1270A0CC}" destId="{6251B512-2A86-4867-9A40-C26A710645F5}" srcOrd="1" destOrd="0" presId="urn:microsoft.com/office/officeart/2005/8/layout/cycle2"/>
     <dgm:cxn modelId="{037D0274-AFB3-4BE1-B4E4-C47DC34BE8AF}" srcId="{78FED826-A33C-4069-973E-24B9A550AC53}" destId="{DAE9C7F2-3DFB-4AFC-BF48-D083E78C5A9F}" srcOrd="1" destOrd="0" parTransId="{0F09DD4A-D5E4-4D7B-855C-35A4F024EBB6}" sibTransId="{E799D5E6-0BEC-46C7-8837-EF1F8AB4B162}"/>
-    <dgm:cxn modelId="{B4C3547C-47DD-4EBE-9A0C-E0077E6C3F76}" type="presOf" srcId="{2FC1DC60-3C38-4067-B665-FC4E1270A0CC}" destId="{6251B512-2A86-4867-9A40-C26A710645F5}" srcOrd="1" destOrd="0" presId="urn:microsoft.com/office/officeart/2005/8/layout/cycle2"/>
-    <dgm:cxn modelId="{8CDCB684-5E43-4E50-8F31-D7E3973FB818}" srcId="{78FED826-A33C-4069-973E-24B9A550AC53}" destId="{AB968D4A-FAE2-4B19-889C-887CBE5EA6B0}" srcOrd="2" destOrd="0" parTransId="{35F0D23C-823E-401E-9499-490D3B65C29D}" sibTransId="{7E81FFDE-2A55-45F8-9851-0C2BB25E07A9}"/>
+    <dgm:cxn modelId="{51D61CDE-ECED-4B47-B425-DA0EA9D68EBF}" type="presOf" srcId="{2FC1DC60-3C38-4067-B665-FC4E1270A0CC}" destId="{99B508E7-11D9-4C97-BFC1-55E17213F979}" srcOrd="0" destOrd="0" presId="urn:microsoft.com/office/officeart/2005/8/layout/cycle2"/>
+    <dgm:cxn modelId="{E8774023-9CB1-4A71-89D6-DD752961C764}" type="presOf" srcId="{E799D5E6-0BEC-46C7-8837-EF1F8AB4B162}" destId="{982731E6-7C8D-4516-B83E-3067980C0852}" srcOrd="1" destOrd="0" presId="urn:microsoft.com/office/officeart/2005/8/layout/cycle2"/>
     <dgm:cxn modelId="{BCB8A186-BAF7-40C1-9C07-0F7C0EBDA63C}" type="presOf" srcId="{9000C89B-90C7-492E-9517-62C2E27818FC}" destId="{5BAB15F8-713D-47B5-A0B9-06168F90B64D}" srcOrd="0" destOrd="0" presId="urn:microsoft.com/office/officeart/2005/8/layout/cycle2"/>
-    <dgm:cxn modelId="{5C14228C-56C8-45B0-A58A-46CEDCD237B5}" type="presOf" srcId="{E2EE0FE7-6548-4307-8F88-942884E0C2CB}" destId="{34D8D507-140E-4894-89A3-691AC4218A59}" srcOrd="0" destOrd="0" presId="urn:microsoft.com/office/officeart/2005/8/layout/cycle2"/>
-    <dgm:cxn modelId="{791C9A9C-63FE-4962-8A53-F9EC2B37C044}" type="presOf" srcId="{DAE9C7F2-3DFB-4AFC-BF48-D083E78C5A9F}" destId="{421568AF-3973-4FC5-9097-8CEE7717B317}" srcOrd="0" destOrd="0" presId="urn:microsoft.com/office/officeart/2005/8/layout/cycle2"/>
-    <dgm:cxn modelId="{11F52EC5-56AF-490E-B915-806C9E135FD4}" type="presOf" srcId="{78FED826-A33C-4069-973E-24B9A550AC53}" destId="{6BAA2D26-6EA1-4869-A3DC-C2B1851025FD}" srcOrd="0" destOrd="0" presId="urn:microsoft.com/office/officeart/2005/8/layout/cycle2"/>
-    <dgm:cxn modelId="{52B5A6C6-EE40-45FF-90B5-9E6667563B11}" type="presOf" srcId="{AB968D4A-FAE2-4B19-889C-887CBE5EA6B0}" destId="{948F2AEA-B935-49A7-9B68-9A906A070FF9}" srcOrd="0" destOrd="0" presId="urn:microsoft.com/office/officeart/2005/8/layout/cycle2"/>
-    <dgm:cxn modelId="{8B71CDD3-E641-4771-A984-9EB6C3725781}" type="presOf" srcId="{2EE69B36-9370-44D0-9AF3-8DD379BF0EB0}" destId="{0E68D6E8-1E86-4990-9A07-1060A4D211DE}" srcOrd="1" destOrd="0" presId="urn:microsoft.com/office/officeart/2005/8/layout/cycle2"/>
-    <dgm:cxn modelId="{51FBEAD3-7726-46D0-A99F-8AB32251B4B3}" type="presOf" srcId="{B78B9E39-7085-4DE9-AE11-0B4D6E86EAEF}" destId="{BC71972C-1562-402B-9049-E9F63790B4A1}" srcOrd="1" destOrd="0" presId="urn:microsoft.com/office/officeart/2005/8/layout/cycle2"/>
-    <dgm:cxn modelId="{CEBFEAD9-F0BA-4D11-8B54-F176C5C360C2}" type="presOf" srcId="{2EE69B36-9370-44D0-9AF3-8DD379BF0EB0}" destId="{5E26E228-96ED-4396-BE66-2E0048DAC4C4}" srcOrd="0" destOrd="0" presId="urn:microsoft.com/office/officeart/2005/8/layout/cycle2"/>
-    <dgm:cxn modelId="{51D61CDE-ECED-4B47-B425-DA0EA9D68EBF}" type="presOf" srcId="{2FC1DC60-3C38-4067-B665-FC4E1270A0CC}" destId="{99B508E7-11D9-4C97-BFC1-55E17213F979}" srcOrd="0" destOrd="0" presId="urn:microsoft.com/office/officeart/2005/8/layout/cycle2"/>
+    <dgm:cxn modelId="{D101EEF4-3616-4F2D-95A4-30C62B8C1D24}" type="presOf" srcId="{E799D5E6-0BEC-46C7-8837-EF1F8AB4B162}" destId="{56BB8731-5502-4A1D-8A75-F03A5D4F6149}" srcOrd="0" destOrd="0" presId="urn:microsoft.com/office/officeart/2005/8/layout/cycle2"/>
+    <dgm:cxn modelId="{67702237-9BB6-4F30-9B6D-D2181FE2150D}" type="presOf" srcId="{E5141E15-659B-441E-AD36-3BC69F42A707}" destId="{439018BA-4C5C-4946-8D29-A8D2C1E0816C}" srcOrd="0" destOrd="0" presId="urn:microsoft.com/office/officeart/2005/8/layout/cycle2"/>
     <dgm:cxn modelId="{6F0226E0-3680-4C98-A1FE-0AFC77F6056D}" srcId="{78FED826-A33C-4069-973E-24B9A550AC53}" destId="{9000C89B-90C7-492E-9517-62C2E27818FC}" srcOrd="4" destOrd="0" parTransId="{3E576F14-FFEF-4609-89F5-73A9121B8D76}" sibTransId="{B78B9E39-7085-4DE9-AE11-0B4D6E86EAEF}"/>
-    <dgm:cxn modelId="{D101EEF4-3616-4F2D-95A4-30C62B8C1D24}" type="presOf" srcId="{E799D5E6-0BEC-46C7-8837-EF1F8AB4B162}" destId="{56BB8731-5502-4A1D-8A75-F03A5D4F6149}" srcOrd="0" destOrd="0" presId="urn:microsoft.com/office/officeart/2005/8/layout/cycle2"/>
     <dgm:cxn modelId="{274226EA-2F47-4366-BD16-191F215FBF9F}" type="presParOf" srcId="{6BAA2D26-6EA1-4869-A3DC-C2B1851025FD}" destId="{439018BA-4C5C-4946-8D29-A8D2C1E0816C}" srcOrd="0" destOrd="0" presId="urn:microsoft.com/office/officeart/2005/8/layout/cycle2"/>
     <dgm:cxn modelId="{E405D3D0-6AA1-43C2-ABE9-C9726B0AB91D}" type="presParOf" srcId="{6BAA2D26-6EA1-4869-A3DC-C2B1851025FD}" destId="{5E26E228-96ED-4396-BE66-2E0048DAC4C4}" srcOrd="1" destOrd="0" presId="urn:microsoft.com/office/officeart/2005/8/layout/cycle2"/>
     <dgm:cxn modelId="{71966633-DC23-4354-A9BE-38D30A9CC50B}" type="presParOf" srcId="{5E26E228-96ED-4396-BE66-2E0048DAC4C4}" destId="{0E68D6E8-1E86-4990-9A07-1060A4D211DE}" srcOrd="0" destOrd="0" presId="urn:microsoft.com/office/officeart/2005/8/layout/cycle2"/>
@@ -1349,7 +1476,7 @@
         </a:bodyPr>
         <a:lstStyle/>
         <a:p>
-          <a:pPr marL="0" lvl="0" indent="0" algn="ctr" defTabSz="488950" latinLnBrk="1">
+          <a:pPr lvl="0" algn="ctr" defTabSz="488950" latinLnBrk="1">
             <a:lnSpc>
               <a:spcPct val="90000"/>
             </a:lnSpc>
@@ -1359,7 +1486,6 @@
             <a:spcAft>
               <a:spcPct val="35000"/>
             </a:spcAft>
-            <a:buNone/>
           </a:pPr>
           <a:r>
             <a:rPr lang="ko-KR" altLang="en-US" sz="1100" kern="1200" dirty="0"/>
@@ -1421,7 +1547,7 @@
         </a:bodyPr>
         <a:lstStyle/>
         <a:p>
-          <a:pPr marL="0" lvl="0" indent="0" algn="ctr" defTabSz="400050" latinLnBrk="1">
+          <a:pPr lvl="0" algn="ctr" defTabSz="400050" latinLnBrk="1">
             <a:lnSpc>
               <a:spcPct val="90000"/>
             </a:lnSpc>
@@ -1431,7 +1557,6 @@
             <a:spcAft>
               <a:spcPct val="35000"/>
             </a:spcAft>
-            <a:buNone/>
           </a:pPr>
           <a:endParaRPr lang="ko-KR" altLang="en-US" sz="900" kern="1200"/>
         </a:p>
@@ -1495,7 +1620,7 @@
         </a:bodyPr>
         <a:lstStyle/>
         <a:p>
-          <a:pPr marL="0" lvl="0" indent="0" algn="ctr" defTabSz="488950" latinLnBrk="1">
+          <a:pPr lvl="0" algn="ctr" defTabSz="488950" latinLnBrk="1">
             <a:lnSpc>
               <a:spcPct val="90000"/>
             </a:lnSpc>
@@ -1505,7 +1630,6 @@
             <a:spcAft>
               <a:spcPct val="35000"/>
             </a:spcAft>
-            <a:buNone/>
           </a:pPr>
           <a:r>
             <a:rPr lang="ko-KR" altLang="en-US" sz="1100" kern="1200" dirty="0"/>
@@ -1567,7 +1691,7 @@
         </a:bodyPr>
         <a:lstStyle/>
         <a:p>
-          <a:pPr marL="0" lvl="0" indent="0" algn="ctr" defTabSz="400050" latinLnBrk="1">
+          <a:pPr lvl="0" algn="ctr" defTabSz="400050" latinLnBrk="1">
             <a:lnSpc>
               <a:spcPct val="90000"/>
             </a:lnSpc>
@@ -1577,7 +1701,6 @@
             <a:spcAft>
               <a:spcPct val="35000"/>
             </a:spcAft>
-            <a:buNone/>
           </a:pPr>
           <a:endParaRPr lang="ko-KR" altLang="en-US" sz="900" kern="1200"/>
         </a:p>
@@ -1641,7 +1764,7 @@
         </a:bodyPr>
         <a:lstStyle/>
         <a:p>
-          <a:pPr marL="0" lvl="0" indent="0" algn="ctr" defTabSz="488950" latinLnBrk="1">
+          <a:pPr lvl="0" algn="ctr" defTabSz="488950" latinLnBrk="1">
             <a:lnSpc>
               <a:spcPct val="90000"/>
             </a:lnSpc>
@@ -1651,7 +1774,6 @@
             <a:spcAft>
               <a:spcPct val="35000"/>
             </a:spcAft>
-            <a:buNone/>
           </a:pPr>
           <a:r>
             <a:rPr lang="ko-KR" altLang="en-US" sz="1100" kern="1200" dirty="0"/>
@@ -1713,7 +1835,7 @@
         </a:bodyPr>
         <a:lstStyle/>
         <a:p>
-          <a:pPr marL="0" lvl="0" indent="0" algn="ctr" defTabSz="400050" latinLnBrk="1">
+          <a:pPr lvl="0" algn="ctr" defTabSz="400050" latinLnBrk="1">
             <a:lnSpc>
               <a:spcPct val="90000"/>
             </a:lnSpc>
@@ -1723,7 +1845,6 @@
             <a:spcAft>
               <a:spcPct val="35000"/>
             </a:spcAft>
-            <a:buNone/>
           </a:pPr>
           <a:endParaRPr lang="ko-KR" altLang="en-US" sz="900" kern="1200"/>
         </a:p>
@@ -1787,7 +1908,7 @@
         </a:bodyPr>
         <a:lstStyle/>
         <a:p>
-          <a:pPr marL="0" lvl="0" indent="0" algn="ctr" defTabSz="488950" latinLnBrk="1">
+          <a:pPr lvl="0" algn="ctr" defTabSz="488950" latinLnBrk="1">
             <a:lnSpc>
               <a:spcPct val="90000"/>
             </a:lnSpc>
@@ -1797,7 +1918,6 @@
             <a:spcAft>
               <a:spcPct val="35000"/>
             </a:spcAft>
-            <a:buNone/>
           </a:pPr>
           <a:r>
             <a:rPr lang="ko-KR" altLang="en-US" sz="1100" kern="1200" dirty="0"/>
@@ -1859,7 +1979,7 @@
         </a:bodyPr>
         <a:lstStyle/>
         <a:p>
-          <a:pPr marL="0" lvl="0" indent="0" algn="ctr" defTabSz="400050" latinLnBrk="1">
+          <a:pPr lvl="0" algn="ctr" defTabSz="400050" latinLnBrk="1">
             <a:lnSpc>
               <a:spcPct val="90000"/>
             </a:lnSpc>
@@ -1869,7 +1989,6 @@
             <a:spcAft>
               <a:spcPct val="35000"/>
             </a:spcAft>
-            <a:buNone/>
           </a:pPr>
           <a:endParaRPr lang="ko-KR" altLang="en-US" sz="900" kern="1200"/>
         </a:p>
@@ -1933,7 +2052,7 @@
         </a:bodyPr>
         <a:lstStyle/>
         <a:p>
-          <a:pPr marL="0" lvl="0" indent="0" algn="ctr" defTabSz="488950" latinLnBrk="1">
+          <a:pPr lvl="0" algn="ctr" defTabSz="488950" latinLnBrk="1">
             <a:lnSpc>
               <a:spcPct val="90000"/>
             </a:lnSpc>
@@ -1943,7 +2062,6 @@
             <a:spcAft>
               <a:spcPct val="35000"/>
             </a:spcAft>
-            <a:buNone/>
           </a:pPr>
           <a:r>
             <a:rPr lang="ko-KR" altLang="en-US" sz="1100" kern="1200" dirty="0"/>
@@ -2005,7 +2123,7 @@
         </a:bodyPr>
         <a:lstStyle/>
         <a:p>
-          <a:pPr marL="0" lvl="0" indent="0" algn="ctr" defTabSz="400050" latinLnBrk="1">
+          <a:pPr lvl="0" algn="ctr" defTabSz="400050" latinLnBrk="1">
             <a:lnSpc>
               <a:spcPct val="90000"/>
             </a:lnSpc>
@@ -2015,7 +2133,6 @@
             <a:spcAft>
               <a:spcPct val="35000"/>
             </a:spcAft>
-            <a:buNone/>
           </a:pPr>
           <a:endParaRPr lang="ko-KR" altLang="en-US" sz="900" kern="1200"/>
         </a:p>
@@ -3356,7 +3473,7 @@
           <a:p>
             <a:fld id="{7665CDAC-D627-4E87-877A-1B781DD4CADC}" type="datetimeFigureOut">
               <a:rPr lang="ko-KR" altLang="en-US" smtClean="0"/>
-              <a:t>2023-04-09</a:t>
+              <a:t>2023-04-14</a:t>
             </a:fld>
             <a:endParaRPr lang="ko-KR" altLang="en-US"/>
           </a:p>
@@ -4207,7 +4324,7 @@
           <a:p>
             <a:fld id="{E240FE80-3752-4C44-80B8-E31C3450070D}" type="datetime1">
               <a:rPr lang="ko-KR" altLang="en-US" smtClean="0"/>
-              <a:t>2023-04-09</a:t>
+              <a:t>2023-04-14</a:t>
             </a:fld>
             <a:endParaRPr lang="ko-KR" altLang="en-US"/>
           </a:p>
@@ -4385,7 +4502,7 @@
           <a:p>
             <a:fld id="{5FA88D13-428F-4553-BC93-2E91B1DA3F5C}" type="datetime1">
               <a:rPr lang="ko-KR" altLang="en-US" smtClean="0"/>
-              <a:t>2023-04-09</a:t>
+              <a:t>2023-04-14</a:t>
             </a:fld>
             <a:endParaRPr lang="ko-KR" altLang="en-US"/>
           </a:p>
@@ -4557,7 +4674,7 @@
           <a:p>
             <a:fld id="{4E9D4779-FB94-4D0A-9770-16BB460ADD4B}" type="datetime1">
               <a:rPr lang="ko-KR" altLang="en-US" smtClean="0"/>
-              <a:t>2023-04-09</a:t>
+              <a:t>2023-04-14</a:t>
             </a:fld>
             <a:endParaRPr lang="ko-KR" altLang="en-US"/>
           </a:p>
@@ -4802,7 +4919,7 @@
           <a:p>
             <a:fld id="{DD687F0D-089E-4098-8EE9-5721C76E52EC}" type="datetime1">
               <a:rPr lang="ko-KR" altLang="en-US" smtClean="0"/>
-              <a:t>2023-04-09</a:t>
+              <a:t>2023-04-14</a:t>
             </a:fld>
             <a:endParaRPr lang="ko-KR" altLang="en-US"/>
           </a:p>
@@ -5087,7 +5204,7 @@
           <a:p>
             <a:fld id="{09C650FE-E6B2-4D57-AAF6-1B2A37421AAD}" type="datetime1">
               <a:rPr lang="ko-KR" altLang="en-US" smtClean="0"/>
-              <a:t>2023-04-09</a:t>
+              <a:t>2023-04-14</a:t>
             </a:fld>
             <a:endParaRPr lang="ko-KR" altLang="en-US"/>
           </a:p>
@@ -5506,7 +5623,7 @@
           <a:p>
             <a:fld id="{E87F20C2-C949-4E4F-9580-FEE4F2DAC554}" type="datetime1">
               <a:rPr lang="ko-KR" altLang="en-US" smtClean="0"/>
-              <a:t>2023-04-09</a:t>
+              <a:t>2023-04-14</a:t>
             </a:fld>
             <a:endParaRPr lang="ko-KR" altLang="en-US"/>
           </a:p>
@@ -5623,7 +5740,7 @@
           <a:p>
             <a:fld id="{476DBFE0-70CA-4AA9-9C17-F02054822E7E}" type="datetime1">
               <a:rPr lang="ko-KR" altLang="en-US" smtClean="0"/>
-              <a:t>2023-04-09</a:t>
+              <a:t>2023-04-14</a:t>
             </a:fld>
             <a:endParaRPr lang="ko-KR" altLang="en-US"/>
           </a:p>
@@ -5718,7 +5835,7 @@
           <a:p>
             <a:fld id="{6DA84A72-C6AC-45C3-AE5A-9CF6D245353A}" type="datetime1">
               <a:rPr lang="ko-KR" altLang="en-US" smtClean="0"/>
-              <a:t>2023-04-09</a:t>
+              <a:t>2023-04-14</a:t>
             </a:fld>
             <a:endParaRPr lang="ko-KR" altLang="en-US"/>
           </a:p>
@@ -5993,7 +6110,7 @@
           <a:p>
             <a:fld id="{092D9E8D-7616-4FA8-9B12-88059974D499}" type="datetime1">
               <a:rPr lang="ko-KR" altLang="en-US" smtClean="0"/>
-              <a:t>2023-04-09</a:t>
+              <a:t>2023-04-14</a:t>
             </a:fld>
             <a:endParaRPr lang="ko-KR" altLang="en-US"/>
           </a:p>
@@ -6245,7 +6362,7 @@
           <a:p>
             <a:fld id="{79F4C3F6-B4DC-4E51-8609-BCC628ECDBF3}" type="datetime1">
               <a:rPr lang="ko-KR" altLang="en-US" smtClean="0"/>
-              <a:t>2023-04-09</a:t>
+              <a:t>2023-04-14</a:t>
             </a:fld>
             <a:endParaRPr lang="ko-KR" altLang="en-US"/>
           </a:p>
@@ -6424,7 +6541,7 @@
           <a:p>
             <a:fld id="{B2C4C586-F21B-48DD-B591-4B12E73E0749}" type="datetime1">
               <a:rPr lang="ko-KR" altLang="en-US" smtClean="0"/>
-              <a:t>2023-04-09</a:t>
+              <a:t>2023-04-14</a:t>
             </a:fld>
             <a:endParaRPr lang="ko-KR" altLang="en-US"/>
           </a:p>
@@ -17461,9 +17578,16 @@
             <p:ph type="title"/>
           </p:nvPr>
         </p:nvSpPr>
-        <p:spPr/>
-        <p:txBody>
-          <a:bodyPr/>
+        <p:spPr>
+          <a:xfrm>
+            <a:off x="0" y="-18256"/>
+            <a:ext cx="7236295" cy="854968"/>
+          </a:xfrm>
+        </p:spPr>
+        <p:txBody>
+          <a:bodyPr>
+            <a:normAutofit/>
+          </a:bodyPr>
           <a:lstStyle/>
           <a:p>
             <a:r>
@@ -17471,9 +17595,10 @@
               <a:t>  </a:t>
             </a:r>
             <a:r>
-              <a:rPr lang="ko-KR" altLang="en-US" dirty="0"/>
-              <a:t>데이터 베이스 모델링</a:t>
-            </a:r>
+              <a:rPr lang="ko-KR" altLang="en-US" dirty="0" smtClean="0"/>
+              <a:t>학교 데이터베이스 구축</a:t>
+            </a:r>
+            <a:endParaRPr lang="ko-KR" altLang="en-US" dirty="0"/>
           </a:p>
         </p:txBody>
       </p:sp>
@@ -17495,6 +17620,2077 @@
             <a:fld id="{1BDE3FE7-3AEA-4B05-AC5A-802D1816ACF0}" type="slidenum">
               <a:rPr lang="ko-KR" altLang="en-US" smtClean="0"/>
               <a:t>27</a:t>
+            </a:fld>
+            <a:endParaRPr lang="ko-KR" altLang="en-US"/>
+          </a:p>
+        </p:txBody>
+      </p:sp>
+      <p:sp>
+        <p:nvSpPr>
+          <p:cNvPr id="18" name="타원 17"/>
+          <p:cNvSpPr/>
+          <p:nvPr/>
+        </p:nvSpPr>
+        <p:spPr>
+          <a:xfrm>
+            <a:off x="1141622" y="3187830"/>
+            <a:ext cx="1032714" cy="571504"/>
+          </a:xfrm>
+          <a:prstGeom prst="ellipse">
+            <a:avLst/>
+          </a:prstGeom>
+          <a:noFill/>
+          <a:ln w="6350"/>
+        </p:spPr>
+        <p:style>
+          <a:lnRef idx="2">
+            <a:schemeClr val="accent1">
+              <a:shade val="50000"/>
+            </a:schemeClr>
+          </a:lnRef>
+          <a:fillRef idx="1">
+            <a:schemeClr val="accent1"/>
+          </a:fillRef>
+          <a:effectRef idx="0">
+            <a:schemeClr val="accent1"/>
+          </a:effectRef>
+          <a:fontRef idx="minor">
+            <a:schemeClr val="lt1"/>
+          </a:fontRef>
+        </p:style>
+        <p:txBody>
+          <a:bodyPr rtlCol="0" anchor="ctr"/>
+          <a:lstStyle/>
+          <a:p>
+            <a:pPr algn="ctr"/>
+            <a:r>
+              <a:rPr lang="ko-KR" altLang="en-US" sz="1400" dirty="0" err="1" smtClean="0">
+                <a:solidFill>
+                  <a:sysClr val="windowText" lastClr="000000"/>
+                </a:solidFill>
+              </a:rPr>
+              <a:t>학과명</a:t>
+            </a:r>
+            <a:endParaRPr lang="ko-KR" altLang="en-US" sz="1400" dirty="0">
+              <a:solidFill>
+                <a:sysClr val="windowText" lastClr="000000"/>
+              </a:solidFill>
+            </a:endParaRPr>
+          </a:p>
+        </p:txBody>
+      </p:sp>
+      <p:sp>
+        <p:nvSpPr>
+          <p:cNvPr id="20" name="타원 19"/>
+          <p:cNvSpPr/>
+          <p:nvPr/>
+        </p:nvSpPr>
+        <p:spPr>
+          <a:xfrm>
+            <a:off x="2278815" y="3187830"/>
+            <a:ext cx="997041" cy="571504"/>
+          </a:xfrm>
+          <a:prstGeom prst="ellipse">
+            <a:avLst/>
+          </a:prstGeom>
+          <a:noFill/>
+          <a:ln w="6350"/>
+        </p:spPr>
+        <p:style>
+          <a:lnRef idx="2">
+            <a:schemeClr val="accent1">
+              <a:shade val="50000"/>
+            </a:schemeClr>
+          </a:lnRef>
+          <a:fillRef idx="1">
+            <a:schemeClr val="accent1"/>
+          </a:fillRef>
+          <a:effectRef idx="0">
+            <a:schemeClr val="accent1"/>
+          </a:effectRef>
+          <a:fontRef idx="minor">
+            <a:schemeClr val="lt1"/>
+          </a:fontRef>
+        </p:style>
+        <p:txBody>
+          <a:bodyPr rtlCol="0" anchor="ctr"/>
+          <a:lstStyle/>
+          <a:p>
+            <a:pPr algn="ctr"/>
+            <a:r>
+              <a:rPr lang="ko-KR" altLang="en-US" sz="1400" dirty="0" smtClean="0">
+                <a:solidFill>
+                  <a:sysClr val="windowText" lastClr="000000"/>
+                </a:solidFill>
+              </a:rPr>
+              <a:t>전화번호</a:t>
+            </a:r>
+            <a:endParaRPr lang="ko-KR" altLang="en-US" sz="1400" dirty="0">
+              <a:solidFill>
+                <a:sysClr val="windowText" lastClr="000000"/>
+              </a:solidFill>
+            </a:endParaRPr>
+          </a:p>
+        </p:txBody>
+      </p:sp>
+      <p:sp>
+        <p:nvSpPr>
+          <p:cNvPr id="21" name="직사각형 20"/>
+          <p:cNvSpPr/>
+          <p:nvPr/>
+        </p:nvSpPr>
+        <p:spPr>
+          <a:xfrm>
+            <a:off x="1309621" y="2142148"/>
+            <a:ext cx="1296144" cy="504056"/>
+          </a:xfrm>
+          <a:prstGeom prst="rect">
+            <a:avLst/>
+          </a:prstGeom>
+          <a:noFill/>
+          <a:ln w="12700">
+            <a:solidFill>
+              <a:schemeClr val="tx1"/>
+            </a:solidFill>
+          </a:ln>
+        </p:spPr>
+        <p:style>
+          <a:lnRef idx="2">
+            <a:schemeClr val="accent1">
+              <a:shade val="50000"/>
+            </a:schemeClr>
+          </a:lnRef>
+          <a:fillRef idx="1">
+            <a:schemeClr val="accent1"/>
+          </a:fillRef>
+          <a:effectRef idx="0">
+            <a:schemeClr val="accent1"/>
+          </a:effectRef>
+          <a:fontRef idx="minor">
+            <a:schemeClr val="lt1"/>
+          </a:fontRef>
+        </p:style>
+        <p:txBody>
+          <a:bodyPr rtlCol="0" anchor="ctr"/>
+          <a:lstStyle/>
+          <a:p>
+            <a:pPr algn="ctr"/>
+            <a:r>
+              <a:rPr lang="ko-KR" altLang="en-US" sz="1600" dirty="0" smtClean="0">
+                <a:solidFill>
+                  <a:sysClr val="windowText" lastClr="000000"/>
+                </a:solidFill>
+              </a:rPr>
+              <a:t>학과</a:t>
+            </a:r>
+            <a:endParaRPr lang="ko-KR" altLang="en-US" sz="1600" dirty="0">
+              <a:solidFill>
+                <a:sysClr val="windowText" lastClr="000000"/>
+              </a:solidFill>
+            </a:endParaRPr>
+          </a:p>
+        </p:txBody>
+      </p:sp>
+      <p:cxnSp>
+        <p:nvCxnSpPr>
+          <p:cNvPr id="27" name="직선 연결선 26"/>
+          <p:cNvCxnSpPr>
+            <a:stCxn id="21" idx="2"/>
+            <a:endCxn id="18" idx="0"/>
+          </p:cNvCxnSpPr>
+          <p:nvPr/>
+        </p:nvCxnSpPr>
+        <p:spPr>
+          <a:xfrm flipH="1">
+            <a:off x="1657979" y="2646204"/>
+            <a:ext cx="299714" cy="541626"/>
+          </a:xfrm>
+          <a:prstGeom prst="line">
+            <a:avLst/>
+          </a:prstGeom>
+        </p:spPr>
+        <p:style>
+          <a:lnRef idx="1">
+            <a:schemeClr val="accent1"/>
+          </a:lnRef>
+          <a:fillRef idx="0">
+            <a:schemeClr val="accent1"/>
+          </a:fillRef>
+          <a:effectRef idx="0">
+            <a:schemeClr val="accent1"/>
+          </a:effectRef>
+          <a:fontRef idx="minor">
+            <a:schemeClr val="tx1"/>
+          </a:fontRef>
+        </p:style>
+      </p:cxnSp>
+      <p:cxnSp>
+        <p:nvCxnSpPr>
+          <p:cNvPr id="29" name="직선 연결선 28"/>
+          <p:cNvCxnSpPr>
+            <a:stCxn id="21" idx="2"/>
+            <a:endCxn id="20" idx="0"/>
+          </p:cNvCxnSpPr>
+          <p:nvPr/>
+        </p:nvCxnSpPr>
+        <p:spPr>
+          <a:xfrm>
+            <a:off x="1957693" y="2646204"/>
+            <a:ext cx="819643" cy="541626"/>
+          </a:xfrm>
+          <a:prstGeom prst="line">
+            <a:avLst/>
+          </a:prstGeom>
+        </p:spPr>
+        <p:style>
+          <a:lnRef idx="1">
+            <a:schemeClr val="accent1"/>
+          </a:lnRef>
+          <a:fillRef idx="0">
+            <a:schemeClr val="accent1"/>
+          </a:fillRef>
+          <a:effectRef idx="0">
+            <a:schemeClr val="accent1"/>
+          </a:effectRef>
+          <a:fontRef idx="minor">
+            <a:schemeClr val="tx1"/>
+          </a:fontRef>
+        </p:style>
+      </p:cxnSp>
+      <p:sp>
+        <p:nvSpPr>
+          <p:cNvPr id="30" name="타원 29"/>
+          <p:cNvSpPr/>
+          <p:nvPr/>
+        </p:nvSpPr>
+        <p:spPr>
+          <a:xfrm>
+            <a:off x="4572000" y="3206276"/>
+            <a:ext cx="874618" cy="571504"/>
+          </a:xfrm>
+          <a:prstGeom prst="ellipse">
+            <a:avLst/>
+          </a:prstGeom>
+          <a:noFill/>
+          <a:ln w="6350"/>
+        </p:spPr>
+        <p:style>
+          <a:lnRef idx="2">
+            <a:schemeClr val="accent1">
+              <a:shade val="50000"/>
+            </a:schemeClr>
+          </a:lnRef>
+          <a:fillRef idx="1">
+            <a:schemeClr val="accent1"/>
+          </a:fillRef>
+          <a:effectRef idx="0">
+            <a:schemeClr val="accent1"/>
+          </a:effectRef>
+          <a:fontRef idx="minor">
+            <a:schemeClr val="lt1"/>
+          </a:fontRef>
+        </p:style>
+        <p:txBody>
+          <a:bodyPr rtlCol="0" anchor="ctr"/>
+          <a:lstStyle/>
+          <a:p>
+            <a:pPr algn="ctr"/>
+            <a:r>
+              <a:rPr lang="ko-KR" altLang="en-US" sz="1400" u="sng" dirty="0" err="1" smtClean="0">
+                <a:solidFill>
+                  <a:sysClr val="windowText" lastClr="000000"/>
+                </a:solidFill>
+              </a:rPr>
+              <a:t>학생번호</a:t>
+            </a:r>
+            <a:endParaRPr lang="ko-KR" altLang="en-US" sz="1400" u="sng" dirty="0">
+              <a:solidFill>
+                <a:sysClr val="windowText" lastClr="000000"/>
+              </a:solidFill>
+            </a:endParaRPr>
+          </a:p>
+        </p:txBody>
+      </p:sp>
+      <p:sp>
+        <p:nvSpPr>
+          <p:cNvPr id="35" name="타원 34"/>
+          <p:cNvSpPr/>
+          <p:nvPr/>
+        </p:nvSpPr>
+        <p:spPr>
+          <a:xfrm>
+            <a:off x="5528481" y="3214670"/>
+            <a:ext cx="810468" cy="571504"/>
+          </a:xfrm>
+          <a:prstGeom prst="ellipse">
+            <a:avLst/>
+          </a:prstGeom>
+          <a:noFill/>
+          <a:ln w="6350"/>
+        </p:spPr>
+        <p:style>
+          <a:lnRef idx="2">
+            <a:schemeClr val="accent1">
+              <a:shade val="50000"/>
+            </a:schemeClr>
+          </a:lnRef>
+          <a:fillRef idx="1">
+            <a:schemeClr val="accent1"/>
+          </a:fillRef>
+          <a:effectRef idx="0">
+            <a:schemeClr val="accent1"/>
+          </a:effectRef>
+          <a:fontRef idx="minor">
+            <a:schemeClr val="lt1"/>
+          </a:fontRef>
+        </p:style>
+        <p:txBody>
+          <a:bodyPr rtlCol="0" anchor="ctr"/>
+          <a:lstStyle/>
+          <a:p>
+            <a:pPr algn="ctr"/>
+            <a:r>
+              <a:rPr lang="ko-KR" altLang="en-US" sz="1400" dirty="0" smtClean="0">
+                <a:solidFill>
+                  <a:sysClr val="windowText" lastClr="000000"/>
+                </a:solidFill>
+              </a:rPr>
+              <a:t>이름</a:t>
+            </a:r>
+            <a:endParaRPr lang="ko-KR" altLang="en-US" sz="1400" dirty="0">
+              <a:solidFill>
+                <a:sysClr val="windowText" lastClr="000000"/>
+              </a:solidFill>
+            </a:endParaRPr>
+          </a:p>
+        </p:txBody>
+      </p:sp>
+      <p:sp>
+        <p:nvSpPr>
+          <p:cNvPr id="36" name="직사각형 35"/>
+          <p:cNvSpPr/>
+          <p:nvPr/>
+        </p:nvSpPr>
+        <p:spPr>
+          <a:xfrm>
+            <a:off x="6033669" y="2132856"/>
+            <a:ext cx="1296144" cy="504056"/>
+          </a:xfrm>
+          <a:prstGeom prst="rect">
+            <a:avLst/>
+          </a:prstGeom>
+          <a:noFill/>
+          <a:ln w="12700">
+            <a:solidFill>
+              <a:schemeClr val="tx1"/>
+            </a:solidFill>
+          </a:ln>
+        </p:spPr>
+        <p:style>
+          <a:lnRef idx="2">
+            <a:schemeClr val="accent1">
+              <a:shade val="50000"/>
+            </a:schemeClr>
+          </a:lnRef>
+          <a:fillRef idx="1">
+            <a:schemeClr val="accent1"/>
+          </a:fillRef>
+          <a:effectRef idx="0">
+            <a:schemeClr val="accent1"/>
+          </a:effectRef>
+          <a:fontRef idx="minor">
+            <a:schemeClr val="lt1"/>
+          </a:fontRef>
+        </p:style>
+        <p:txBody>
+          <a:bodyPr rtlCol="0" anchor="ctr"/>
+          <a:lstStyle/>
+          <a:p>
+            <a:pPr algn="ctr"/>
+            <a:r>
+              <a:rPr lang="ko-KR" altLang="en-US" sz="1600" dirty="0" smtClean="0">
+                <a:solidFill>
+                  <a:sysClr val="windowText" lastClr="000000"/>
+                </a:solidFill>
+              </a:rPr>
+              <a:t>학생</a:t>
+            </a:r>
+            <a:endParaRPr lang="ko-KR" altLang="en-US" sz="1600" dirty="0">
+              <a:solidFill>
+                <a:sysClr val="windowText" lastClr="000000"/>
+              </a:solidFill>
+            </a:endParaRPr>
+          </a:p>
+        </p:txBody>
+      </p:sp>
+      <p:cxnSp>
+        <p:nvCxnSpPr>
+          <p:cNvPr id="37" name="직선 연결선 36"/>
+          <p:cNvCxnSpPr>
+            <a:stCxn id="36" idx="2"/>
+            <a:endCxn id="35" idx="7"/>
+          </p:cNvCxnSpPr>
+          <p:nvPr/>
+        </p:nvCxnSpPr>
+        <p:spPr>
+          <a:xfrm flipH="1">
+            <a:off x="6220259" y="2636912"/>
+            <a:ext cx="461482" cy="661453"/>
+          </a:xfrm>
+          <a:prstGeom prst="line">
+            <a:avLst/>
+          </a:prstGeom>
+        </p:spPr>
+        <p:style>
+          <a:lnRef idx="1">
+            <a:schemeClr val="accent1"/>
+          </a:lnRef>
+          <a:fillRef idx="0">
+            <a:schemeClr val="accent1"/>
+          </a:fillRef>
+          <a:effectRef idx="0">
+            <a:schemeClr val="accent1"/>
+          </a:effectRef>
+          <a:fontRef idx="minor">
+            <a:schemeClr val="tx1"/>
+          </a:fontRef>
+        </p:style>
+      </p:cxnSp>
+      <p:cxnSp>
+        <p:nvCxnSpPr>
+          <p:cNvPr id="42" name="직선 연결선 41"/>
+          <p:cNvCxnSpPr>
+            <a:stCxn id="36" idx="2"/>
+            <a:endCxn id="44" idx="0"/>
+          </p:cNvCxnSpPr>
+          <p:nvPr/>
+        </p:nvCxnSpPr>
+        <p:spPr>
+          <a:xfrm>
+            <a:off x="6681741" y="2636912"/>
+            <a:ext cx="111104" cy="577758"/>
+          </a:xfrm>
+          <a:prstGeom prst="line">
+            <a:avLst/>
+          </a:prstGeom>
+        </p:spPr>
+        <p:style>
+          <a:lnRef idx="1">
+            <a:schemeClr val="accent1"/>
+          </a:lnRef>
+          <a:fillRef idx="0">
+            <a:schemeClr val="accent1"/>
+          </a:fillRef>
+          <a:effectRef idx="0">
+            <a:schemeClr val="accent1"/>
+          </a:effectRef>
+          <a:fontRef idx="minor">
+            <a:schemeClr val="tx1"/>
+          </a:fontRef>
+        </p:style>
+      </p:cxnSp>
+      <p:sp>
+        <p:nvSpPr>
+          <p:cNvPr id="43" name="다이아몬드 42"/>
+          <p:cNvSpPr/>
+          <p:nvPr/>
+        </p:nvSpPr>
+        <p:spPr>
+          <a:xfrm>
+            <a:off x="3545063" y="2108424"/>
+            <a:ext cx="1224136" cy="571504"/>
+          </a:xfrm>
+          <a:prstGeom prst="diamond">
+            <a:avLst/>
+          </a:prstGeom>
+          <a:noFill/>
+          <a:ln w="6350">
+            <a:solidFill>
+              <a:schemeClr val="tx1"/>
+            </a:solidFill>
+          </a:ln>
+        </p:spPr>
+        <p:style>
+          <a:lnRef idx="2">
+            <a:schemeClr val="accent1">
+              <a:shade val="50000"/>
+            </a:schemeClr>
+          </a:lnRef>
+          <a:fillRef idx="1">
+            <a:schemeClr val="accent1"/>
+          </a:fillRef>
+          <a:effectRef idx="0">
+            <a:schemeClr val="accent1"/>
+          </a:effectRef>
+          <a:fontRef idx="minor">
+            <a:schemeClr val="lt1"/>
+          </a:fontRef>
+        </p:style>
+        <p:txBody>
+          <a:bodyPr rtlCol="0" anchor="ctr"/>
+          <a:lstStyle/>
+          <a:p>
+            <a:pPr algn="ctr"/>
+            <a:r>
+              <a:rPr lang="ko-KR" altLang="en-US" sz="1600" dirty="0">
+                <a:solidFill>
+                  <a:sysClr val="windowText" lastClr="000000"/>
+                </a:solidFill>
+              </a:rPr>
+              <a:t>소속</a:t>
+            </a:r>
+          </a:p>
+        </p:txBody>
+      </p:sp>
+      <p:cxnSp>
+        <p:nvCxnSpPr>
+          <p:cNvPr id="46" name="직선 연결선 45"/>
+          <p:cNvCxnSpPr>
+            <a:stCxn id="21" idx="3"/>
+            <a:endCxn id="43" idx="1"/>
+          </p:cNvCxnSpPr>
+          <p:nvPr/>
+        </p:nvCxnSpPr>
+        <p:spPr>
+          <a:xfrm>
+            <a:off x="2605765" y="2394176"/>
+            <a:ext cx="1008112" cy="960"/>
+          </a:xfrm>
+          <a:prstGeom prst="line">
+            <a:avLst/>
+          </a:prstGeom>
+        </p:spPr>
+        <p:style>
+          <a:lnRef idx="1">
+            <a:schemeClr val="accent1"/>
+          </a:lnRef>
+          <a:fillRef idx="0">
+            <a:schemeClr val="accent1"/>
+          </a:fillRef>
+          <a:effectRef idx="0">
+            <a:schemeClr val="accent1"/>
+          </a:effectRef>
+          <a:fontRef idx="minor">
+            <a:schemeClr val="tx1"/>
+          </a:fontRef>
+        </p:style>
+      </p:cxnSp>
+      <p:cxnSp>
+        <p:nvCxnSpPr>
+          <p:cNvPr id="47" name="직선 연결선 46"/>
+          <p:cNvCxnSpPr>
+            <a:stCxn id="43" idx="3"/>
+            <a:endCxn id="36" idx="1"/>
+          </p:cNvCxnSpPr>
+          <p:nvPr/>
+        </p:nvCxnSpPr>
+        <p:spPr>
+          <a:xfrm flipV="1">
+            <a:off x="4769199" y="2384884"/>
+            <a:ext cx="1264470" cy="9292"/>
+          </a:xfrm>
+          <a:prstGeom prst="line">
+            <a:avLst/>
+          </a:prstGeom>
+        </p:spPr>
+        <p:style>
+          <a:lnRef idx="1">
+            <a:schemeClr val="accent1"/>
+          </a:lnRef>
+          <a:fillRef idx="0">
+            <a:schemeClr val="accent1"/>
+          </a:fillRef>
+          <a:effectRef idx="0">
+            <a:schemeClr val="accent1"/>
+          </a:effectRef>
+          <a:fontRef idx="minor">
+            <a:schemeClr val="tx1"/>
+          </a:fontRef>
+        </p:style>
+      </p:cxnSp>
+      <p:sp>
+        <p:nvSpPr>
+          <p:cNvPr id="16" name="TextBox 15"/>
+          <p:cNvSpPr txBox="1"/>
+          <p:nvPr/>
+        </p:nvSpPr>
+        <p:spPr>
+          <a:xfrm>
+            <a:off x="2663093" y="2502188"/>
+            <a:ext cx="950784" cy="307777"/>
+          </a:xfrm>
+          <a:prstGeom prst="rect">
+            <a:avLst/>
+          </a:prstGeom>
+          <a:noFill/>
+        </p:spPr>
+        <p:txBody>
+          <a:bodyPr wrap="square" rtlCol="0">
+            <a:spAutoFit/>
+          </a:bodyPr>
+          <a:lstStyle/>
+          <a:p>
+            <a:r>
+              <a:rPr lang="ko-KR" altLang="en-US" sz="1400" dirty="0">
+                <a:solidFill>
+                  <a:srgbClr val="0070C0"/>
+                </a:solidFill>
+              </a:rPr>
+              <a:t>포함된다</a:t>
+            </a:r>
+          </a:p>
+        </p:txBody>
+      </p:sp>
+      <p:sp>
+        <p:nvSpPr>
+          <p:cNvPr id="48" name="TextBox 47"/>
+          <p:cNvSpPr txBox="1"/>
+          <p:nvPr/>
+        </p:nvSpPr>
+        <p:spPr>
+          <a:xfrm>
+            <a:off x="5155906" y="2429317"/>
+            <a:ext cx="950784" cy="307777"/>
+          </a:xfrm>
+          <a:prstGeom prst="rect">
+            <a:avLst/>
+          </a:prstGeom>
+          <a:noFill/>
+        </p:spPr>
+        <p:txBody>
+          <a:bodyPr wrap="square" rtlCol="0">
+            <a:spAutoFit/>
+          </a:bodyPr>
+          <a:lstStyle/>
+          <a:p>
+            <a:r>
+              <a:rPr lang="ko-KR" altLang="en-US" sz="1400" dirty="0">
+                <a:solidFill>
+                  <a:srgbClr val="0070C0"/>
+                </a:solidFill>
+              </a:rPr>
+              <a:t>소속된다</a:t>
+            </a:r>
+          </a:p>
+        </p:txBody>
+      </p:sp>
+      <p:sp>
+        <p:nvSpPr>
+          <p:cNvPr id="49" name="TextBox 48"/>
+          <p:cNvSpPr txBox="1"/>
+          <p:nvPr/>
+        </p:nvSpPr>
+        <p:spPr>
+          <a:xfrm>
+            <a:off x="2687839" y="2060848"/>
+            <a:ext cx="360040" cy="369332"/>
+          </a:xfrm>
+          <a:prstGeom prst="rect">
+            <a:avLst/>
+          </a:prstGeom>
+          <a:noFill/>
+        </p:spPr>
+        <p:txBody>
+          <a:bodyPr wrap="square" rtlCol="0">
+            <a:spAutoFit/>
+          </a:bodyPr>
+          <a:lstStyle/>
+          <a:p>
+            <a:r>
+              <a:rPr lang="en-US" altLang="ko-KR" dirty="0"/>
+              <a:t>1</a:t>
+            </a:r>
+            <a:endParaRPr lang="ko-KR" altLang="en-US" dirty="0"/>
+          </a:p>
+        </p:txBody>
+      </p:sp>
+      <p:sp>
+        <p:nvSpPr>
+          <p:cNvPr id="50" name="TextBox 49"/>
+          <p:cNvSpPr txBox="1"/>
+          <p:nvPr/>
+        </p:nvSpPr>
+        <p:spPr>
+          <a:xfrm>
+            <a:off x="5582730" y="2044240"/>
+            <a:ext cx="360040" cy="369332"/>
+          </a:xfrm>
+          <a:prstGeom prst="rect">
+            <a:avLst/>
+          </a:prstGeom>
+          <a:noFill/>
+        </p:spPr>
+        <p:txBody>
+          <a:bodyPr wrap="square" rtlCol="0">
+            <a:spAutoFit/>
+          </a:bodyPr>
+          <a:lstStyle/>
+          <a:p>
+            <a:r>
+              <a:rPr lang="en-US" altLang="ko-KR" dirty="0"/>
+              <a:t>N</a:t>
+            </a:r>
+            <a:endParaRPr lang="ko-KR" altLang="en-US" dirty="0"/>
+          </a:p>
+        </p:txBody>
+      </p:sp>
+      <p:cxnSp>
+        <p:nvCxnSpPr>
+          <p:cNvPr id="38" name="직선 연결선 37"/>
+          <p:cNvCxnSpPr>
+            <a:stCxn id="21" idx="2"/>
+          </p:cNvCxnSpPr>
+          <p:nvPr/>
+        </p:nvCxnSpPr>
+        <p:spPr>
+          <a:xfrm>
+            <a:off x="1957693" y="2646204"/>
+            <a:ext cx="1710817" cy="512905"/>
+          </a:xfrm>
+          <a:prstGeom prst="line">
+            <a:avLst/>
+          </a:prstGeom>
+        </p:spPr>
+        <p:style>
+          <a:lnRef idx="1">
+            <a:schemeClr val="accent1"/>
+          </a:lnRef>
+          <a:fillRef idx="0">
+            <a:schemeClr val="accent1"/>
+          </a:fillRef>
+          <a:effectRef idx="0">
+            <a:schemeClr val="accent1"/>
+          </a:effectRef>
+          <a:fontRef idx="minor">
+            <a:schemeClr val="tx1"/>
+          </a:fontRef>
+        </p:style>
+      </p:cxnSp>
+      <p:sp>
+        <p:nvSpPr>
+          <p:cNvPr id="41" name="타원 40"/>
+          <p:cNvSpPr/>
+          <p:nvPr/>
+        </p:nvSpPr>
+        <p:spPr>
+          <a:xfrm>
+            <a:off x="3311213" y="3177354"/>
+            <a:ext cx="1044763" cy="571504"/>
+          </a:xfrm>
+          <a:prstGeom prst="ellipse">
+            <a:avLst/>
+          </a:prstGeom>
+          <a:noFill/>
+          <a:ln w="6350"/>
+        </p:spPr>
+        <p:style>
+          <a:lnRef idx="2">
+            <a:schemeClr val="accent1">
+              <a:shade val="50000"/>
+            </a:schemeClr>
+          </a:lnRef>
+          <a:fillRef idx="1">
+            <a:schemeClr val="accent1"/>
+          </a:fillRef>
+          <a:effectRef idx="0">
+            <a:schemeClr val="accent1"/>
+          </a:effectRef>
+          <a:fontRef idx="minor">
+            <a:schemeClr val="lt1"/>
+          </a:fontRef>
+        </p:style>
+        <p:txBody>
+          <a:bodyPr rtlCol="0" anchor="ctr"/>
+          <a:lstStyle/>
+          <a:p>
+            <a:pPr algn="ctr"/>
+            <a:r>
+              <a:rPr lang="ko-KR" altLang="en-US" sz="1400" dirty="0" err="1" smtClean="0">
+                <a:solidFill>
+                  <a:sysClr val="windowText" lastClr="000000"/>
+                </a:solidFill>
+              </a:rPr>
+              <a:t>사무실위치</a:t>
+            </a:r>
+            <a:endParaRPr lang="ko-KR" altLang="en-US" sz="1400" dirty="0">
+              <a:solidFill>
+                <a:sysClr val="windowText" lastClr="000000"/>
+              </a:solidFill>
+            </a:endParaRPr>
+          </a:p>
+        </p:txBody>
+      </p:sp>
+      <p:sp>
+        <p:nvSpPr>
+          <p:cNvPr id="44" name="타원 43"/>
+          <p:cNvSpPr/>
+          <p:nvPr/>
+        </p:nvSpPr>
+        <p:spPr>
+          <a:xfrm>
+            <a:off x="6401759" y="3214670"/>
+            <a:ext cx="782171" cy="571504"/>
+          </a:xfrm>
+          <a:prstGeom prst="ellipse">
+            <a:avLst/>
+          </a:prstGeom>
+          <a:noFill/>
+          <a:ln w="6350"/>
+        </p:spPr>
+        <p:style>
+          <a:lnRef idx="2">
+            <a:schemeClr val="accent1">
+              <a:shade val="50000"/>
+            </a:schemeClr>
+          </a:lnRef>
+          <a:fillRef idx="1">
+            <a:schemeClr val="accent1"/>
+          </a:fillRef>
+          <a:effectRef idx="0">
+            <a:schemeClr val="accent1"/>
+          </a:effectRef>
+          <a:fontRef idx="minor">
+            <a:schemeClr val="lt1"/>
+          </a:fontRef>
+        </p:style>
+        <p:txBody>
+          <a:bodyPr rtlCol="0" anchor="ctr"/>
+          <a:lstStyle/>
+          <a:p>
+            <a:pPr algn="ctr"/>
+            <a:r>
+              <a:rPr lang="ko-KR" altLang="en-US" sz="1400" dirty="0" smtClean="0">
+                <a:solidFill>
+                  <a:sysClr val="windowText" lastClr="000000"/>
+                </a:solidFill>
+              </a:rPr>
+              <a:t>나이</a:t>
+            </a:r>
+            <a:endParaRPr lang="ko-KR" altLang="en-US" sz="1400" dirty="0">
+              <a:solidFill>
+                <a:sysClr val="windowText" lastClr="000000"/>
+              </a:solidFill>
+            </a:endParaRPr>
+          </a:p>
+        </p:txBody>
+      </p:sp>
+      <p:cxnSp>
+        <p:nvCxnSpPr>
+          <p:cNvPr id="45" name="직선 연결선 44"/>
+          <p:cNvCxnSpPr>
+            <a:stCxn id="36" idx="2"/>
+            <a:endCxn id="61" idx="1"/>
+          </p:cNvCxnSpPr>
+          <p:nvPr/>
+        </p:nvCxnSpPr>
+        <p:spPr>
+          <a:xfrm>
+            <a:off x="6681741" y="2636912"/>
+            <a:ext cx="1589111" cy="664319"/>
+          </a:xfrm>
+          <a:prstGeom prst="line">
+            <a:avLst/>
+          </a:prstGeom>
+        </p:spPr>
+        <p:style>
+          <a:lnRef idx="1">
+            <a:schemeClr val="accent1"/>
+          </a:lnRef>
+          <a:fillRef idx="0">
+            <a:schemeClr val="accent1"/>
+          </a:fillRef>
+          <a:effectRef idx="0">
+            <a:schemeClr val="accent1"/>
+          </a:effectRef>
+          <a:fontRef idx="minor">
+            <a:schemeClr val="tx1"/>
+          </a:fontRef>
+        </p:style>
+      </p:cxnSp>
+      <p:sp>
+        <p:nvSpPr>
+          <p:cNvPr id="57" name="타원 56"/>
+          <p:cNvSpPr/>
+          <p:nvPr/>
+        </p:nvSpPr>
+        <p:spPr>
+          <a:xfrm>
+            <a:off x="7262812" y="3206276"/>
+            <a:ext cx="810468" cy="571504"/>
+          </a:xfrm>
+          <a:prstGeom prst="ellipse">
+            <a:avLst/>
+          </a:prstGeom>
+          <a:noFill/>
+          <a:ln w="6350"/>
+        </p:spPr>
+        <p:style>
+          <a:lnRef idx="2">
+            <a:schemeClr val="accent1">
+              <a:shade val="50000"/>
+            </a:schemeClr>
+          </a:lnRef>
+          <a:fillRef idx="1">
+            <a:schemeClr val="accent1"/>
+          </a:fillRef>
+          <a:effectRef idx="0">
+            <a:schemeClr val="accent1"/>
+          </a:effectRef>
+          <a:fontRef idx="minor">
+            <a:schemeClr val="lt1"/>
+          </a:fontRef>
+        </p:style>
+        <p:txBody>
+          <a:bodyPr rtlCol="0" anchor="ctr"/>
+          <a:lstStyle/>
+          <a:p>
+            <a:pPr algn="ctr"/>
+            <a:r>
+              <a:rPr lang="ko-KR" altLang="en-US" sz="1400" dirty="0" smtClean="0">
+                <a:solidFill>
+                  <a:sysClr val="windowText" lastClr="000000"/>
+                </a:solidFill>
+              </a:rPr>
+              <a:t>성별</a:t>
+            </a:r>
+            <a:endParaRPr lang="ko-KR" altLang="en-US" sz="1400" dirty="0">
+              <a:solidFill>
+                <a:sysClr val="windowText" lastClr="000000"/>
+              </a:solidFill>
+            </a:endParaRPr>
+          </a:p>
+        </p:txBody>
+      </p:sp>
+      <p:sp>
+        <p:nvSpPr>
+          <p:cNvPr id="61" name="타원 60"/>
+          <p:cNvSpPr/>
+          <p:nvPr/>
+        </p:nvSpPr>
+        <p:spPr>
+          <a:xfrm>
+            <a:off x="8152162" y="3217536"/>
+            <a:ext cx="810468" cy="571504"/>
+          </a:xfrm>
+          <a:prstGeom prst="ellipse">
+            <a:avLst/>
+          </a:prstGeom>
+          <a:noFill/>
+          <a:ln w="6350"/>
+        </p:spPr>
+        <p:style>
+          <a:lnRef idx="2">
+            <a:schemeClr val="accent1">
+              <a:shade val="50000"/>
+            </a:schemeClr>
+          </a:lnRef>
+          <a:fillRef idx="1">
+            <a:schemeClr val="accent1"/>
+          </a:fillRef>
+          <a:effectRef idx="0">
+            <a:schemeClr val="accent1"/>
+          </a:effectRef>
+          <a:fontRef idx="minor">
+            <a:schemeClr val="lt1"/>
+          </a:fontRef>
+        </p:style>
+        <p:txBody>
+          <a:bodyPr rtlCol="0" anchor="ctr"/>
+          <a:lstStyle/>
+          <a:p>
+            <a:pPr algn="ctr"/>
+            <a:r>
+              <a:rPr lang="ko-KR" altLang="en-US" sz="1400" dirty="0" smtClean="0">
+                <a:solidFill>
+                  <a:sysClr val="windowText" lastClr="000000"/>
+                </a:solidFill>
+              </a:rPr>
+              <a:t>주소</a:t>
+            </a:r>
+            <a:endParaRPr lang="ko-KR" altLang="en-US" sz="1400" dirty="0">
+              <a:solidFill>
+                <a:sysClr val="windowText" lastClr="000000"/>
+              </a:solidFill>
+            </a:endParaRPr>
+          </a:p>
+        </p:txBody>
+      </p:sp>
+      <p:cxnSp>
+        <p:nvCxnSpPr>
+          <p:cNvPr id="62" name="직선 연결선 61"/>
+          <p:cNvCxnSpPr>
+            <a:stCxn id="36" idx="2"/>
+            <a:endCxn id="57" idx="1"/>
+          </p:cNvCxnSpPr>
+          <p:nvPr/>
+        </p:nvCxnSpPr>
+        <p:spPr>
+          <a:xfrm>
+            <a:off x="6681741" y="2636912"/>
+            <a:ext cx="699761" cy="653059"/>
+          </a:xfrm>
+          <a:prstGeom prst="line">
+            <a:avLst/>
+          </a:prstGeom>
+        </p:spPr>
+        <p:style>
+          <a:lnRef idx="1">
+            <a:schemeClr val="accent1"/>
+          </a:lnRef>
+          <a:fillRef idx="0">
+            <a:schemeClr val="accent1"/>
+          </a:fillRef>
+          <a:effectRef idx="0">
+            <a:schemeClr val="accent1"/>
+          </a:effectRef>
+          <a:fontRef idx="minor">
+            <a:schemeClr val="tx1"/>
+          </a:fontRef>
+        </p:style>
+      </p:cxnSp>
+      <p:cxnSp>
+        <p:nvCxnSpPr>
+          <p:cNvPr id="65" name="직선 연결선 64"/>
+          <p:cNvCxnSpPr>
+            <a:stCxn id="36" idx="2"/>
+            <a:endCxn id="30" idx="7"/>
+          </p:cNvCxnSpPr>
+          <p:nvPr/>
+        </p:nvCxnSpPr>
+        <p:spPr>
+          <a:xfrm flipH="1">
+            <a:off x="5318533" y="2636912"/>
+            <a:ext cx="1363208" cy="653059"/>
+          </a:xfrm>
+          <a:prstGeom prst="line">
+            <a:avLst/>
+          </a:prstGeom>
+        </p:spPr>
+        <p:style>
+          <a:lnRef idx="1">
+            <a:schemeClr val="accent1"/>
+          </a:lnRef>
+          <a:fillRef idx="0">
+            <a:schemeClr val="accent1"/>
+          </a:fillRef>
+          <a:effectRef idx="0">
+            <a:schemeClr val="accent1"/>
+          </a:effectRef>
+          <a:fontRef idx="minor">
+            <a:schemeClr val="tx1"/>
+          </a:fontRef>
+        </p:style>
+      </p:cxnSp>
+      <p:cxnSp>
+        <p:nvCxnSpPr>
+          <p:cNvPr id="93" name="직선 연결선 92"/>
+          <p:cNvCxnSpPr>
+            <a:stCxn id="21" idx="2"/>
+          </p:cNvCxnSpPr>
+          <p:nvPr/>
+        </p:nvCxnSpPr>
+        <p:spPr>
+          <a:xfrm flipH="1">
+            <a:off x="734570" y="2646204"/>
+            <a:ext cx="1223123" cy="568466"/>
+          </a:xfrm>
+          <a:prstGeom prst="line">
+            <a:avLst/>
+          </a:prstGeom>
+        </p:spPr>
+        <p:style>
+          <a:lnRef idx="1">
+            <a:schemeClr val="accent1"/>
+          </a:lnRef>
+          <a:fillRef idx="0">
+            <a:schemeClr val="accent1"/>
+          </a:fillRef>
+          <a:effectRef idx="0">
+            <a:schemeClr val="accent1"/>
+          </a:effectRef>
+          <a:fontRef idx="minor">
+            <a:schemeClr val="tx1"/>
+          </a:fontRef>
+        </p:style>
+      </p:cxnSp>
+      <p:sp>
+        <p:nvSpPr>
+          <p:cNvPr id="97" name="타원 96"/>
+          <p:cNvSpPr/>
+          <p:nvPr/>
+        </p:nvSpPr>
+        <p:spPr>
+          <a:xfrm>
+            <a:off x="232380" y="3214670"/>
+            <a:ext cx="860649" cy="571504"/>
+          </a:xfrm>
+          <a:prstGeom prst="ellipse">
+            <a:avLst/>
+          </a:prstGeom>
+          <a:noFill/>
+          <a:ln w="6350"/>
+        </p:spPr>
+        <p:style>
+          <a:lnRef idx="2">
+            <a:schemeClr val="accent1">
+              <a:shade val="50000"/>
+            </a:schemeClr>
+          </a:lnRef>
+          <a:fillRef idx="1">
+            <a:schemeClr val="accent1"/>
+          </a:fillRef>
+          <a:effectRef idx="0">
+            <a:schemeClr val="accent1"/>
+          </a:effectRef>
+          <a:fontRef idx="minor">
+            <a:schemeClr val="lt1"/>
+          </a:fontRef>
+        </p:style>
+        <p:txBody>
+          <a:bodyPr rtlCol="0" anchor="ctr"/>
+          <a:lstStyle/>
+          <a:p>
+            <a:pPr algn="ctr"/>
+            <a:r>
+              <a:rPr lang="ko-KR" altLang="en-US" sz="1400" u="sng" dirty="0" smtClean="0">
+                <a:solidFill>
+                  <a:sysClr val="windowText" lastClr="000000"/>
+                </a:solidFill>
+              </a:rPr>
+              <a:t>학과</a:t>
+            </a:r>
+            <a:endParaRPr lang="en-US" altLang="ko-KR" sz="1400" u="sng" dirty="0" smtClean="0">
+              <a:solidFill>
+                <a:sysClr val="windowText" lastClr="000000"/>
+              </a:solidFill>
+            </a:endParaRPr>
+          </a:p>
+          <a:p>
+            <a:pPr algn="ctr"/>
+            <a:r>
+              <a:rPr lang="ko-KR" altLang="en-US" sz="1400" u="sng" dirty="0" smtClean="0">
+                <a:solidFill>
+                  <a:sysClr val="windowText" lastClr="000000"/>
+                </a:solidFill>
+              </a:rPr>
+              <a:t>코드</a:t>
+            </a:r>
+            <a:endParaRPr lang="ko-KR" altLang="en-US" sz="1400" u="sng" dirty="0">
+              <a:solidFill>
+                <a:sysClr val="windowText" lastClr="000000"/>
+              </a:solidFill>
+            </a:endParaRPr>
+          </a:p>
+        </p:txBody>
+      </p:sp>
+    </p:spTree>
+    <p:extLst>
+      <p:ext uri="{BB962C8B-B14F-4D97-AF65-F5344CB8AC3E}">
+        <p14:creationId xmlns:p14="http://schemas.microsoft.com/office/powerpoint/2010/main" val="394614058"/>
+      </p:ext>
+    </p:extLst>
+  </p:cSld>
+  <p:clrMapOvr>
+    <a:masterClrMapping/>
+  </p:clrMapOvr>
+</p:sld>
+</file>
+
+<file path=ppt/slides/slide28.xml><?xml version="1.0" encoding="utf-8"?>
+<p:sld xmlns:a="http://schemas.openxmlformats.org/drawingml/2006/main" xmlns:r="http://schemas.openxmlformats.org/officeDocument/2006/relationships" xmlns:p="http://schemas.openxmlformats.org/presentationml/2006/main">
+  <p:cSld>
+    <p:spTree>
+      <p:nvGrpSpPr>
+        <p:cNvPr id="1" name=""/>
+        <p:cNvGrpSpPr/>
+        <p:nvPr/>
+      </p:nvGrpSpPr>
+      <p:grpSpPr>
+        <a:xfrm>
+          <a:off x="0" y="0"/>
+          <a:ext cx="0" cy="0"/>
+          <a:chOff x="0" y="0"/>
+          <a:chExt cx="0" cy="0"/>
+        </a:xfrm>
+      </p:grpSpPr>
+      <p:sp>
+        <p:nvSpPr>
+          <p:cNvPr id="2" name="제목 1"/>
+          <p:cNvSpPr>
+            <a:spLocks noGrp="1"/>
+          </p:cNvSpPr>
+          <p:nvPr>
+            <p:ph type="title"/>
+          </p:nvPr>
+        </p:nvSpPr>
+        <p:spPr>
+          <a:xfrm>
+            <a:off x="0" y="-18256"/>
+            <a:ext cx="7236295" cy="854968"/>
+          </a:xfrm>
+        </p:spPr>
+        <p:txBody>
+          <a:bodyPr>
+            <a:normAutofit/>
+          </a:bodyPr>
+          <a:lstStyle/>
+          <a:p>
+            <a:r>
+              <a:rPr lang="en-US" altLang="ko-KR" dirty="0"/>
+              <a:t>  </a:t>
+            </a:r>
+            <a:r>
+              <a:rPr lang="ko-KR" altLang="en-US" dirty="0" smtClean="0"/>
+              <a:t>학교 데이터베이스 구축</a:t>
+            </a:r>
+            <a:endParaRPr lang="ko-KR" altLang="en-US" dirty="0"/>
+          </a:p>
+        </p:txBody>
+      </p:sp>
+      <p:sp>
+        <p:nvSpPr>
+          <p:cNvPr id="4" name="슬라이드 번호 개체 틀 3"/>
+          <p:cNvSpPr>
+            <a:spLocks noGrp="1"/>
+          </p:cNvSpPr>
+          <p:nvPr>
+            <p:ph type="sldNum" sz="quarter" idx="12"/>
+          </p:nvPr>
+        </p:nvSpPr>
+        <p:spPr/>
+        <p:txBody>
+          <a:bodyPr/>
+          <a:lstStyle/>
+          <a:p>
+            <a:fld id="{1BDE3FE7-3AEA-4B05-AC5A-802D1816ACF0}" type="slidenum">
+              <a:rPr lang="ko-KR" altLang="en-US" smtClean="0"/>
+              <a:t>28</a:t>
+            </a:fld>
+            <a:endParaRPr lang="ko-KR" altLang="en-US"/>
+          </a:p>
+        </p:txBody>
+      </p:sp>
+      <p:sp>
+        <p:nvSpPr>
+          <p:cNvPr id="51" name="직사각형 50"/>
+          <p:cNvSpPr/>
+          <p:nvPr/>
+        </p:nvSpPr>
+        <p:spPr>
+          <a:xfrm>
+            <a:off x="1475656" y="2060848"/>
+            <a:ext cx="1829966" cy="434839"/>
+          </a:xfrm>
+          <a:prstGeom prst="rect">
+            <a:avLst/>
+          </a:prstGeom>
+          <a:noFill/>
+          <a:ln w="12700">
+            <a:solidFill>
+              <a:schemeClr val="tx1"/>
+            </a:solidFill>
+          </a:ln>
+        </p:spPr>
+        <p:style>
+          <a:lnRef idx="2">
+            <a:schemeClr val="accent1">
+              <a:shade val="50000"/>
+            </a:schemeClr>
+          </a:lnRef>
+          <a:fillRef idx="1">
+            <a:schemeClr val="accent1"/>
+          </a:fillRef>
+          <a:effectRef idx="0">
+            <a:schemeClr val="accent1"/>
+          </a:effectRef>
+          <a:fontRef idx="minor">
+            <a:schemeClr val="lt1"/>
+          </a:fontRef>
+        </p:style>
+        <p:txBody>
+          <a:bodyPr rtlCol="0" anchor="ctr"/>
+          <a:lstStyle/>
+          <a:p>
+            <a:pPr algn="ctr"/>
+            <a:r>
+              <a:rPr lang="ko-KR" altLang="en-US" sz="1600" dirty="0" err="1" smtClean="0">
+                <a:solidFill>
+                  <a:sysClr val="windowText" lastClr="000000"/>
+                </a:solidFill>
+              </a:rPr>
+              <a:t>학과코드</a:t>
+            </a:r>
+            <a:endParaRPr lang="ko-KR" altLang="en-US" sz="1600" dirty="0">
+              <a:solidFill>
+                <a:sysClr val="windowText" lastClr="000000"/>
+              </a:solidFill>
+            </a:endParaRPr>
+          </a:p>
+        </p:txBody>
+      </p:sp>
+      <p:sp>
+        <p:nvSpPr>
+          <p:cNvPr id="52" name="직사각형 51"/>
+          <p:cNvSpPr/>
+          <p:nvPr/>
+        </p:nvSpPr>
+        <p:spPr>
+          <a:xfrm>
+            <a:off x="1475656" y="2495687"/>
+            <a:ext cx="1829966" cy="2229457"/>
+          </a:xfrm>
+          <a:prstGeom prst="rect">
+            <a:avLst/>
+          </a:prstGeom>
+          <a:noFill/>
+          <a:ln w="12700">
+            <a:solidFill>
+              <a:schemeClr val="tx1"/>
+            </a:solidFill>
+          </a:ln>
+        </p:spPr>
+        <p:style>
+          <a:lnRef idx="2">
+            <a:schemeClr val="accent1">
+              <a:shade val="50000"/>
+            </a:schemeClr>
+          </a:lnRef>
+          <a:fillRef idx="1">
+            <a:schemeClr val="accent1"/>
+          </a:fillRef>
+          <a:effectRef idx="0">
+            <a:schemeClr val="accent1"/>
+          </a:effectRef>
+          <a:fontRef idx="minor">
+            <a:schemeClr val="lt1"/>
+          </a:fontRef>
+        </p:style>
+        <p:txBody>
+          <a:bodyPr rtlCol="0" anchor="ctr"/>
+          <a:lstStyle/>
+          <a:p>
+            <a:pPr>
+              <a:lnSpc>
+                <a:spcPct val="150000"/>
+              </a:lnSpc>
+            </a:pPr>
+            <a:r>
+              <a:rPr lang="ko-KR" altLang="en-US" sz="1600" dirty="0" smtClean="0">
+                <a:solidFill>
+                  <a:sysClr val="windowText" lastClr="000000"/>
+                </a:solidFill>
+              </a:rPr>
+              <a:t>  </a:t>
+            </a:r>
+            <a:r>
+              <a:rPr lang="ko-KR" altLang="en-US" sz="1600" dirty="0" err="1" smtClean="0">
+                <a:solidFill>
+                  <a:sysClr val="windowText" lastClr="000000"/>
+                </a:solidFill>
+              </a:rPr>
+              <a:t>학과명</a:t>
+            </a:r>
+            <a:endParaRPr lang="en-US" altLang="ko-KR" sz="1600" dirty="0" smtClean="0">
+              <a:solidFill>
+                <a:sysClr val="windowText" lastClr="000000"/>
+              </a:solidFill>
+            </a:endParaRPr>
+          </a:p>
+          <a:p>
+            <a:pPr>
+              <a:lnSpc>
+                <a:spcPct val="150000"/>
+              </a:lnSpc>
+            </a:pPr>
+            <a:r>
+              <a:rPr lang="ko-KR" altLang="en-US" sz="1600" dirty="0" smtClean="0">
+                <a:solidFill>
+                  <a:sysClr val="windowText" lastClr="000000"/>
+                </a:solidFill>
+              </a:rPr>
+              <a:t>  전화번호</a:t>
+            </a:r>
+            <a:endParaRPr lang="en-US" altLang="ko-KR" sz="1600" dirty="0" smtClean="0">
+              <a:solidFill>
+                <a:sysClr val="windowText" lastClr="000000"/>
+              </a:solidFill>
+            </a:endParaRPr>
+          </a:p>
+          <a:p>
+            <a:pPr>
+              <a:lnSpc>
+                <a:spcPct val="150000"/>
+              </a:lnSpc>
+            </a:pPr>
+            <a:r>
+              <a:rPr lang="ko-KR" altLang="en-US" sz="1600" dirty="0" smtClean="0">
+                <a:solidFill>
+                  <a:sysClr val="windowText" lastClr="000000"/>
+                </a:solidFill>
+              </a:rPr>
+              <a:t>  </a:t>
+            </a:r>
+            <a:r>
+              <a:rPr lang="ko-KR" altLang="en-US" sz="1600" dirty="0" err="1" smtClean="0">
+                <a:solidFill>
+                  <a:sysClr val="windowText" lastClr="000000"/>
+                </a:solidFill>
+              </a:rPr>
+              <a:t>사무실위치</a:t>
+            </a:r>
+            <a:endParaRPr lang="ko-KR" altLang="en-US" sz="1600" dirty="0">
+              <a:solidFill>
+                <a:sysClr val="windowText" lastClr="000000"/>
+              </a:solidFill>
+            </a:endParaRPr>
+          </a:p>
+        </p:txBody>
+      </p:sp>
+      <p:sp>
+        <p:nvSpPr>
+          <p:cNvPr id="53" name="TextBox 52"/>
+          <p:cNvSpPr txBox="1"/>
+          <p:nvPr/>
+        </p:nvSpPr>
+        <p:spPr>
+          <a:xfrm>
+            <a:off x="1475656" y="1674152"/>
+            <a:ext cx="748744" cy="338554"/>
+          </a:xfrm>
+          <a:prstGeom prst="rect">
+            <a:avLst/>
+          </a:prstGeom>
+          <a:noFill/>
+        </p:spPr>
+        <p:txBody>
+          <a:bodyPr wrap="square" rtlCol="0">
+            <a:spAutoFit/>
+          </a:bodyPr>
+          <a:lstStyle/>
+          <a:p>
+            <a:r>
+              <a:rPr lang="ko-KR" altLang="en-US" sz="1600" dirty="0" smtClean="0"/>
+              <a:t>학과</a:t>
+            </a:r>
+            <a:endParaRPr lang="ko-KR" altLang="en-US" sz="1600" dirty="0"/>
+          </a:p>
+        </p:txBody>
+      </p:sp>
+      <p:sp>
+        <p:nvSpPr>
+          <p:cNvPr id="54" name="직사각형 53"/>
+          <p:cNvSpPr/>
+          <p:nvPr/>
+        </p:nvSpPr>
+        <p:spPr>
+          <a:xfrm>
+            <a:off x="5338492" y="2086608"/>
+            <a:ext cx="2071586" cy="434839"/>
+          </a:xfrm>
+          <a:prstGeom prst="rect">
+            <a:avLst/>
+          </a:prstGeom>
+          <a:noFill/>
+          <a:ln w="12700">
+            <a:solidFill>
+              <a:schemeClr val="tx1"/>
+            </a:solidFill>
+          </a:ln>
+        </p:spPr>
+        <p:style>
+          <a:lnRef idx="2">
+            <a:schemeClr val="accent1">
+              <a:shade val="50000"/>
+            </a:schemeClr>
+          </a:lnRef>
+          <a:fillRef idx="1">
+            <a:schemeClr val="accent1"/>
+          </a:fillRef>
+          <a:effectRef idx="0">
+            <a:schemeClr val="accent1"/>
+          </a:effectRef>
+          <a:fontRef idx="minor">
+            <a:schemeClr val="lt1"/>
+          </a:fontRef>
+        </p:style>
+        <p:txBody>
+          <a:bodyPr rtlCol="0" anchor="ctr"/>
+          <a:lstStyle/>
+          <a:p>
+            <a:pPr algn="ctr"/>
+            <a:r>
+              <a:rPr lang="ko-KR" altLang="en-US" sz="1600" dirty="0" err="1" smtClean="0">
+                <a:solidFill>
+                  <a:sysClr val="windowText" lastClr="000000"/>
+                </a:solidFill>
+              </a:rPr>
+              <a:t>학생번호</a:t>
+            </a:r>
+            <a:endParaRPr lang="ko-KR" altLang="en-US" sz="1600" dirty="0">
+              <a:solidFill>
+                <a:sysClr val="windowText" lastClr="000000"/>
+              </a:solidFill>
+            </a:endParaRPr>
+          </a:p>
+        </p:txBody>
+      </p:sp>
+      <p:sp>
+        <p:nvSpPr>
+          <p:cNvPr id="55" name="직사각형 54"/>
+          <p:cNvSpPr/>
+          <p:nvPr/>
+        </p:nvSpPr>
+        <p:spPr>
+          <a:xfrm>
+            <a:off x="5338492" y="2521447"/>
+            <a:ext cx="2071586" cy="2131689"/>
+          </a:xfrm>
+          <a:prstGeom prst="rect">
+            <a:avLst/>
+          </a:prstGeom>
+          <a:noFill/>
+          <a:ln w="12700">
+            <a:solidFill>
+              <a:schemeClr val="tx1"/>
+            </a:solidFill>
+          </a:ln>
+        </p:spPr>
+        <p:style>
+          <a:lnRef idx="2">
+            <a:schemeClr val="accent1">
+              <a:shade val="50000"/>
+            </a:schemeClr>
+          </a:lnRef>
+          <a:fillRef idx="1">
+            <a:schemeClr val="accent1"/>
+          </a:fillRef>
+          <a:effectRef idx="0">
+            <a:schemeClr val="accent1"/>
+          </a:effectRef>
+          <a:fontRef idx="minor">
+            <a:schemeClr val="lt1"/>
+          </a:fontRef>
+        </p:style>
+        <p:txBody>
+          <a:bodyPr rtlCol="0" anchor="ctr"/>
+          <a:lstStyle/>
+          <a:p>
+            <a:pPr>
+              <a:lnSpc>
+                <a:spcPct val="150000"/>
+              </a:lnSpc>
+            </a:pPr>
+            <a:r>
+              <a:rPr lang="ko-KR" altLang="en-US" sz="1600" dirty="0">
+                <a:solidFill>
+                  <a:sysClr val="windowText" lastClr="000000"/>
+                </a:solidFill>
+              </a:rPr>
+              <a:t>  </a:t>
+            </a:r>
+            <a:r>
+              <a:rPr lang="ko-KR" altLang="en-US" sz="1600" dirty="0" smtClean="0">
+                <a:solidFill>
+                  <a:sysClr val="windowText" lastClr="000000"/>
+                </a:solidFill>
+              </a:rPr>
+              <a:t>  이름</a:t>
+            </a:r>
+            <a:endParaRPr lang="en-US" altLang="ko-KR" sz="1600" dirty="0" smtClean="0">
+              <a:solidFill>
+                <a:sysClr val="windowText" lastClr="000000"/>
+              </a:solidFill>
+            </a:endParaRPr>
+          </a:p>
+          <a:p>
+            <a:pPr>
+              <a:lnSpc>
+                <a:spcPct val="150000"/>
+              </a:lnSpc>
+            </a:pPr>
+            <a:r>
+              <a:rPr lang="en-US" altLang="ko-KR" sz="1600" dirty="0">
+                <a:solidFill>
+                  <a:sysClr val="windowText" lastClr="000000"/>
+                </a:solidFill>
+              </a:rPr>
+              <a:t> </a:t>
+            </a:r>
+            <a:r>
+              <a:rPr lang="en-US" altLang="ko-KR" sz="1600" dirty="0" smtClean="0">
+                <a:solidFill>
+                  <a:sysClr val="windowText" lastClr="000000"/>
+                </a:solidFill>
+              </a:rPr>
+              <a:t>   </a:t>
+            </a:r>
+            <a:r>
+              <a:rPr lang="ko-KR" altLang="en-US" sz="1600" dirty="0" smtClean="0">
+                <a:solidFill>
+                  <a:sysClr val="windowText" lastClr="000000"/>
+                </a:solidFill>
+              </a:rPr>
+              <a:t>나이</a:t>
+            </a:r>
+            <a:endParaRPr lang="en-US" altLang="ko-KR" sz="1600" dirty="0" smtClean="0">
+              <a:solidFill>
+                <a:sysClr val="windowText" lastClr="000000"/>
+              </a:solidFill>
+            </a:endParaRPr>
+          </a:p>
+          <a:p>
+            <a:pPr>
+              <a:lnSpc>
+                <a:spcPct val="150000"/>
+              </a:lnSpc>
+            </a:pPr>
+            <a:r>
+              <a:rPr lang="en-US" altLang="ko-KR" sz="1600" dirty="0">
+                <a:solidFill>
+                  <a:sysClr val="windowText" lastClr="000000"/>
+                </a:solidFill>
+              </a:rPr>
+              <a:t> </a:t>
+            </a:r>
+            <a:r>
+              <a:rPr lang="en-US" altLang="ko-KR" sz="1600" dirty="0" smtClean="0">
+                <a:solidFill>
+                  <a:sysClr val="windowText" lastClr="000000"/>
+                </a:solidFill>
+              </a:rPr>
+              <a:t>   </a:t>
+            </a:r>
+            <a:r>
+              <a:rPr lang="ko-KR" altLang="en-US" sz="1600" dirty="0" smtClean="0">
+                <a:solidFill>
+                  <a:sysClr val="windowText" lastClr="000000"/>
+                </a:solidFill>
+              </a:rPr>
+              <a:t>성별</a:t>
+            </a:r>
+            <a:endParaRPr lang="en-US" altLang="ko-KR" sz="1600" dirty="0" smtClean="0">
+              <a:solidFill>
+                <a:sysClr val="windowText" lastClr="000000"/>
+              </a:solidFill>
+            </a:endParaRPr>
+          </a:p>
+          <a:p>
+            <a:pPr>
+              <a:lnSpc>
+                <a:spcPct val="150000"/>
+              </a:lnSpc>
+            </a:pPr>
+            <a:r>
+              <a:rPr lang="en-US" altLang="ko-KR" sz="1600" dirty="0">
+                <a:solidFill>
+                  <a:sysClr val="windowText" lastClr="000000"/>
+                </a:solidFill>
+              </a:rPr>
+              <a:t> </a:t>
+            </a:r>
+            <a:r>
+              <a:rPr lang="en-US" altLang="ko-KR" sz="1600" dirty="0" smtClean="0">
+                <a:solidFill>
+                  <a:sysClr val="windowText" lastClr="000000"/>
+                </a:solidFill>
+              </a:rPr>
+              <a:t>   </a:t>
+            </a:r>
+            <a:r>
+              <a:rPr lang="ko-KR" altLang="en-US" sz="1600" dirty="0" smtClean="0">
+                <a:solidFill>
+                  <a:sysClr val="windowText" lastClr="000000"/>
+                </a:solidFill>
+              </a:rPr>
+              <a:t>주소</a:t>
+            </a:r>
+            <a:endParaRPr lang="en-US" altLang="ko-KR" sz="1600" dirty="0" smtClean="0">
+              <a:solidFill>
+                <a:sysClr val="windowText" lastClr="000000"/>
+              </a:solidFill>
+            </a:endParaRPr>
+          </a:p>
+          <a:p>
+            <a:pPr>
+              <a:lnSpc>
+                <a:spcPct val="150000"/>
+              </a:lnSpc>
+            </a:pPr>
+            <a:r>
+              <a:rPr lang="en-US" altLang="ko-KR" sz="1600" dirty="0">
+                <a:solidFill>
+                  <a:sysClr val="windowText" lastClr="000000"/>
+                </a:solidFill>
+              </a:rPr>
+              <a:t> </a:t>
+            </a:r>
+            <a:r>
+              <a:rPr lang="en-US" altLang="ko-KR" sz="1600" dirty="0" smtClean="0">
+                <a:solidFill>
+                  <a:sysClr val="windowText" lastClr="000000"/>
+                </a:solidFill>
+              </a:rPr>
+              <a:t>   </a:t>
+            </a:r>
+            <a:r>
+              <a:rPr lang="ko-KR" altLang="en-US" sz="1600" dirty="0" err="1" smtClean="0">
+                <a:solidFill>
+                  <a:sysClr val="windowText" lastClr="000000"/>
+                </a:solidFill>
+              </a:rPr>
+              <a:t>학과코드</a:t>
+            </a:r>
+            <a:r>
+              <a:rPr lang="en-US" altLang="ko-KR" sz="1600" dirty="0" smtClean="0">
+                <a:solidFill>
+                  <a:sysClr val="windowText" lastClr="000000"/>
+                </a:solidFill>
+              </a:rPr>
+              <a:t>(</a:t>
+            </a:r>
+            <a:r>
+              <a:rPr lang="en-US" altLang="ko-KR" sz="1600" dirty="0">
+                <a:solidFill>
+                  <a:sysClr val="windowText" lastClr="000000"/>
+                </a:solidFill>
+              </a:rPr>
+              <a:t>FK)</a:t>
+            </a:r>
+            <a:endParaRPr lang="ko-KR" altLang="en-US" sz="1600" dirty="0">
+              <a:solidFill>
+                <a:sysClr val="windowText" lastClr="000000"/>
+              </a:solidFill>
+            </a:endParaRPr>
+          </a:p>
+        </p:txBody>
+      </p:sp>
+      <p:sp>
+        <p:nvSpPr>
+          <p:cNvPr id="56" name="TextBox 55"/>
+          <p:cNvSpPr txBox="1"/>
+          <p:nvPr/>
+        </p:nvSpPr>
+        <p:spPr>
+          <a:xfrm>
+            <a:off x="5315162" y="1679579"/>
+            <a:ext cx="748744" cy="338554"/>
+          </a:xfrm>
+          <a:prstGeom prst="rect">
+            <a:avLst/>
+          </a:prstGeom>
+          <a:noFill/>
+        </p:spPr>
+        <p:txBody>
+          <a:bodyPr wrap="square" rtlCol="0">
+            <a:spAutoFit/>
+          </a:bodyPr>
+          <a:lstStyle/>
+          <a:p>
+            <a:r>
+              <a:rPr lang="ko-KR" altLang="en-US" sz="1600" dirty="0" smtClean="0"/>
+              <a:t>학생</a:t>
+            </a:r>
+            <a:endParaRPr lang="ko-KR" altLang="en-US" sz="1600" dirty="0"/>
+          </a:p>
+        </p:txBody>
+      </p:sp>
+      <p:cxnSp>
+        <p:nvCxnSpPr>
+          <p:cNvPr id="59" name="직선 연결선 58"/>
+          <p:cNvCxnSpPr/>
+          <p:nvPr/>
+        </p:nvCxnSpPr>
+        <p:spPr>
+          <a:xfrm flipV="1">
+            <a:off x="4986087" y="3196497"/>
+            <a:ext cx="329075" cy="243180"/>
+          </a:xfrm>
+          <a:prstGeom prst="line">
+            <a:avLst/>
+          </a:prstGeom>
+          <a:ln w="19050">
+            <a:solidFill>
+              <a:schemeClr val="tx1">
+                <a:lumMod val="50000"/>
+                <a:lumOff val="50000"/>
+              </a:schemeClr>
+            </a:solidFill>
+          </a:ln>
+        </p:spPr>
+        <p:style>
+          <a:lnRef idx="1">
+            <a:schemeClr val="accent1"/>
+          </a:lnRef>
+          <a:fillRef idx="0">
+            <a:schemeClr val="accent1"/>
+          </a:fillRef>
+          <a:effectRef idx="0">
+            <a:schemeClr val="accent1"/>
+          </a:effectRef>
+          <a:fontRef idx="minor">
+            <a:schemeClr val="tx1"/>
+          </a:fontRef>
+        </p:style>
+      </p:cxnSp>
+      <p:cxnSp>
+        <p:nvCxnSpPr>
+          <p:cNvPr id="60" name="직선 연결선 59"/>
+          <p:cNvCxnSpPr/>
+          <p:nvPr/>
+        </p:nvCxnSpPr>
+        <p:spPr>
+          <a:xfrm>
+            <a:off x="4985966" y="3439677"/>
+            <a:ext cx="329196" cy="260876"/>
+          </a:xfrm>
+          <a:prstGeom prst="line">
+            <a:avLst/>
+          </a:prstGeom>
+          <a:ln w="19050">
+            <a:solidFill>
+              <a:schemeClr val="tx1">
+                <a:lumMod val="50000"/>
+                <a:lumOff val="50000"/>
+              </a:schemeClr>
+            </a:solidFill>
+          </a:ln>
+        </p:spPr>
+        <p:style>
+          <a:lnRef idx="1">
+            <a:schemeClr val="accent1"/>
+          </a:lnRef>
+          <a:fillRef idx="0">
+            <a:schemeClr val="accent1"/>
+          </a:fillRef>
+          <a:effectRef idx="0">
+            <a:schemeClr val="accent1"/>
+          </a:effectRef>
+          <a:fontRef idx="minor">
+            <a:schemeClr val="tx1"/>
+          </a:fontRef>
+        </p:style>
+      </p:cxnSp>
+      <p:cxnSp>
+        <p:nvCxnSpPr>
+          <p:cNvPr id="64" name="직선 연결선 63"/>
+          <p:cNvCxnSpPr/>
+          <p:nvPr/>
+        </p:nvCxnSpPr>
+        <p:spPr>
+          <a:xfrm>
+            <a:off x="4961806" y="3439677"/>
+            <a:ext cx="334266" cy="0"/>
+          </a:xfrm>
+          <a:prstGeom prst="line">
+            <a:avLst/>
+          </a:prstGeom>
+          <a:ln w="19050">
+            <a:solidFill>
+              <a:schemeClr val="tx1">
+                <a:lumMod val="50000"/>
+                <a:lumOff val="50000"/>
+              </a:schemeClr>
+            </a:solidFill>
+          </a:ln>
+        </p:spPr>
+        <p:style>
+          <a:lnRef idx="1">
+            <a:schemeClr val="accent1"/>
+          </a:lnRef>
+          <a:fillRef idx="0">
+            <a:schemeClr val="accent1"/>
+          </a:fillRef>
+          <a:effectRef idx="0">
+            <a:schemeClr val="accent1"/>
+          </a:effectRef>
+          <a:fontRef idx="minor">
+            <a:schemeClr val="tx1"/>
+          </a:fontRef>
+        </p:style>
+      </p:cxnSp>
+      <p:cxnSp>
+        <p:nvCxnSpPr>
+          <p:cNvPr id="74" name="직선 연결선 73"/>
+          <p:cNvCxnSpPr/>
+          <p:nvPr/>
+        </p:nvCxnSpPr>
+        <p:spPr>
+          <a:xfrm>
+            <a:off x="3521646" y="3252736"/>
+            <a:ext cx="0" cy="440896"/>
+          </a:xfrm>
+          <a:prstGeom prst="line">
+            <a:avLst/>
+          </a:prstGeom>
+          <a:ln w="19050">
+            <a:solidFill>
+              <a:schemeClr val="tx1">
+                <a:lumMod val="50000"/>
+                <a:lumOff val="50000"/>
+              </a:schemeClr>
+            </a:solidFill>
+          </a:ln>
+        </p:spPr>
+        <p:style>
+          <a:lnRef idx="1">
+            <a:schemeClr val="accent1"/>
+          </a:lnRef>
+          <a:fillRef idx="0">
+            <a:schemeClr val="accent1"/>
+          </a:fillRef>
+          <a:effectRef idx="0">
+            <a:schemeClr val="accent1"/>
+          </a:effectRef>
+          <a:fontRef idx="minor">
+            <a:schemeClr val="tx1"/>
+          </a:fontRef>
+        </p:style>
+      </p:cxnSp>
+      <p:cxnSp>
+        <p:nvCxnSpPr>
+          <p:cNvPr id="17" name="직선 연결선 16"/>
+          <p:cNvCxnSpPr/>
+          <p:nvPr/>
+        </p:nvCxnSpPr>
+        <p:spPr>
+          <a:xfrm flipV="1">
+            <a:off x="3305622" y="3439677"/>
+            <a:ext cx="2032870" cy="23124"/>
+          </a:xfrm>
+          <a:prstGeom prst="line">
+            <a:avLst/>
+          </a:prstGeom>
+          <a:ln w="19050">
+            <a:prstDash val="sysDash"/>
+          </a:ln>
+        </p:spPr>
+        <p:style>
+          <a:lnRef idx="1">
+            <a:schemeClr val="accent1"/>
+          </a:lnRef>
+          <a:fillRef idx="0">
+            <a:schemeClr val="accent1"/>
+          </a:fillRef>
+          <a:effectRef idx="0">
+            <a:schemeClr val="accent1"/>
+          </a:effectRef>
+          <a:fontRef idx="minor">
+            <a:schemeClr val="tx1"/>
+          </a:fontRef>
+        </p:style>
+      </p:cxnSp>
+      <p:cxnSp>
+        <p:nvCxnSpPr>
+          <p:cNvPr id="65" name="직선 연결선 64"/>
+          <p:cNvCxnSpPr/>
+          <p:nvPr/>
+        </p:nvCxnSpPr>
+        <p:spPr>
+          <a:xfrm>
+            <a:off x="4961806" y="3196497"/>
+            <a:ext cx="0" cy="440896"/>
+          </a:xfrm>
+          <a:prstGeom prst="line">
+            <a:avLst/>
+          </a:prstGeom>
+          <a:ln w="19050">
+            <a:solidFill>
+              <a:schemeClr val="tx1">
+                <a:lumMod val="50000"/>
+                <a:lumOff val="50000"/>
+              </a:schemeClr>
+            </a:solidFill>
+          </a:ln>
+        </p:spPr>
+        <p:style>
+          <a:lnRef idx="1">
+            <a:schemeClr val="accent1"/>
+          </a:lnRef>
+          <a:fillRef idx="0">
+            <a:schemeClr val="accent1"/>
+          </a:fillRef>
+          <a:effectRef idx="0">
+            <a:schemeClr val="accent1"/>
+          </a:effectRef>
+          <a:fontRef idx="minor">
+            <a:schemeClr val="tx1"/>
+          </a:fontRef>
+        </p:style>
+      </p:cxnSp>
+    </p:spTree>
+    <p:extLst>
+      <p:ext uri="{BB962C8B-B14F-4D97-AF65-F5344CB8AC3E}">
+        <p14:creationId xmlns:p14="http://schemas.microsoft.com/office/powerpoint/2010/main" val="985118897"/>
+      </p:ext>
+    </p:extLst>
+  </p:cSld>
+  <p:clrMapOvr>
+    <a:masterClrMapping/>
+  </p:clrMapOvr>
+</p:sld>
+</file>
+
+<file path=ppt/slides/slide29.xml><?xml version="1.0" encoding="utf-8"?>
+<p:sld xmlns:a="http://schemas.openxmlformats.org/drawingml/2006/main" xmlns:r="http://schemas.openxmlformats.org/officeDocument/2006/relationships" xmlns:p="http://schemas.openxmlformats.org/presentationml/2006/main">
+  <p:cSld>
+    <p:spTree>
+      <p:nvGrpSpPr>
+        <p:cNvPr id="1" name=""/>
+        <p:cNvGrpSpPr/>
+        <p:nvPr/>
+      </p:nvGrpSpPr>
+      <p:grpSpPr>
+        <a:xfrm>
+          <a:off x="0" y="0"/>
+          <a:ext cx="0" cy="0"/>
+          <a:chOff x="0" y="0"/>
+          <a:chExt cx="0" cy="0"/>
+        </a:xfrm>
+      </p:grpSpPr>
+      <p:sp>
+        <p:nvSpPr>
+          <p:cNvPr id="2" name="제목 1"/>
+          <p:cNvSpPr>
+            <a:spLocks noGrp="1"/>
+          </p:cNvSpPr>
+          <p:nvPr>
+            <p:ph type="title"/>
+          </p:nvPr>
+        </p:nvSpPr>
+        <p:spPr/>
+        <p:txBody>
+          <a:bodyPr/>
+          <a:lstStyle/>
+          <a:p>
+            <a:r>
+              <a:rPr lang="en-US" altLang="ko-KR" dirty="0"/>
+              <a:t>  </a:t>
+            </a:r>
+            <a:r>
+              <a:rPr lang="ko-KR" altLang="en-US" dirty="0"/>
+              <a:t>데이터 베이스 모델링</a:t>
+            </a:r>
+          </a:p>
+        </p:txBody>
+      </p:sp>
+      <p:sp>
+        <p:nvSpPr>
+          <p:cNvPr id="4" name="슬라이드 번호 개체 틀 3"/>
+          <p:cNvSpPr>
+            <a:spLocks noGrp="1"/>
+          </p:cNvSpPr>
+          <p:nvPr>
+            <p:ph type="sldNum" sz="quarter" idx="12"/>
+          </p:nvPr>
+        </p:nvSpPr>
+        <p:spPr/>
+        <p:txBody>
+          <a:bodyPr/>
+          <a:lstStyle/>
+          <a:p>
+            <a:fld id="{1BDE3FE7-3AEA-4B05-AC5A-802D1816ACF0}" type="slidenum">
+              <a:rPr lang="ko-KR" altLang="en-US" smtClean="0"/>
+              <a:t>29</a:t>
             </a:fld>
             <a:endParaRPr lang="ko-KR" altLang="en-US"/>
           </a:p>
@@ -17509,14 +19705,14 @@
           <p:nvPr>
             <p:extLst>
               <p:ext uri="{D42A27DB-BD31-4B8C-83A1-F6EECF244321}">
-                <p14:modId xmlns:p14="http://schemas.microsoft.com/office/powerpoint/2010/main" val="3359181375"/>
+                <p14:modId xmlns:p14="http://schemas.microsoft.com/office/powerpoint/2010/main" val="4224453214"/>
               </p:ext>
             </p:extLst>
           </p:nvPr>
         </p:nvGraphicFramePr>
         <p:xfrm>
           <a:off x="899594" y="1500016"/>
-          <a:ext cx="5184576" cy="1496936"/>
+          <a:ext cx="6336701" cy="1712960"/>
         </p:xfrm>
         <a:graphic>
           <a:graphicData uri="http://schemas.openxmlformats.org/drawingml/2006/table">
@@ -17525,21 +19721,28 @@
                 <a:tableStyleId>{5940675A-B579-460E-94D1-54222C63F5DA}</a:tableStyleId>
               </a:tblPr>
               <a:tblGrid>
-                <a:gridCol w="1808572">
+                <a:gridCol w="1152126">
+                  <a:extLst>
+                    <a:ext uri="{9D8B030D-6E8A-4147-A177-3AD203B41FA5}">
+                      <a16:colId xmlns:a16="http://schemas.microsoft.com/office/drawing/2014/main" val="3175209253"/>
+                    </a:ext>
+                  </a:extLst>
+                </a:gridCol>
+                <a:gridCol w="2016224">
                   <a:extLst>
                     <a:ext uri="{9D8B030D-6E8A-4147-A177-3AD203B41FA5}">
                       <a16:colId xmlns:a16="http://schemas.microsoft.com/office/drawing/2014/main" val="20000"/>
                     </a:ext>
                   </a:extLst>
                 </a:gridCol>
-                <a:gridCol w="1987065">
+                <a:gridCol w="1909791">
                   <a:extLst>
                     <a:ext uri="{9D8B030D-6E8A-4147-A177-3AD203B41FA5}">
                       <a16:colId xmlns:a16="http://schemas.microsoft.com/office/drawing/2014/main" val="20001"/>
                     </a:ext>
                   </a:extLst>
                 </a:gridCol>
-                <a:gridCol w="1388939">
+                <a:gridCol w="1258560">
                   <a:extLst>
                     <a:ext uri="{9D8B030D-6E8A-4147-A177-3AD203B41FA5}">
                       <a16:colId xmlns:a16="http://schemas.microsoft.com/office/drawing/2014/main" val="20002"/>
@@ -17547,7 +19750,7 @@
                   </a:extLst>
                 </a:gridCol>
               </a:tblGrid>
-              <a:tr h="360491">
+              <a:tr h="412514">
                 <a:tc>
                   <a:txBody>
                     <a:bodyPr/>
@@ -17555,10 +19758,32 @@
                     <a:p>
                       <a:pPr algn="ctr" latinLnBrk="1"/>
                       <a:r>
-                        <a:rPr lang="ko-KR" altLang="en-US" sz="1400" u="sng" dirty="0" err="1"/>
+                        <a:rPr lang="ko-KR" altLang="en-US" sz="1400" u="none" dirty="0" err="1" smtClean="0"/>
+                        <a:t>학과코드</a:t>
+                      </a:r>
+                      <a:endParaRPr lang="ko-KR" altLang="en-US" sz="1400" u="none" dirty="0"/>
+                    </a:p>
+                  </a:txBody>
+                  <a:tcPr anchor="ctr">
+                    <a:solidFill>
+                      <a:schemeClr val="tx2">
+                        <a:lumMod val="20000"/>
+                        <a:lumOff val="80000"/>
+                      </a:schemeClr>
+                    </a:solidFill>
+                  </a:tcPr>
+                </a:tc>
+                <a:tc>
+                  <a:txBody>
+                    <a:bodyPr/>
+                    <a:lstStyle/>
+                    <a:p>
+                      <a:pPr algn="ctr" latinLnBrk="1"/>
+                      <a:r>
+                        <a:rPr lang="ko-KR" altLang="en-US" sz="1400" u="none" dirty="0" err="1"/>
                         <a:t>학과명</a:t>
                       </a:r>
-                      <a:endParaRPr lang="ko-KR" altLang="en-US" sz="1400" u="sng" dirty="0"/>
+                      <a:endParaRPr lang="ko-KR" altLang="en-US" sz="1400" u="none" dirty="0"/>
                     </a:p>
                   </a:txBody>
                   <a:tcPr anchor="ctr">
@@ -17618,7 +19843,22 @@
                   </a:ext>
                 </a:extLst>
               </a:tr>
-              <a:tr h="378815">
+              <a:tr h="433482">
+                <a:tc>
+                  <a:txBody>
+                    <a:bodyPr/>
+                    <a:lstStyle/>
+                    <a:p>
+                      <a:pPr algn="ctr" latinLnBrk="1"/>
+                      <a:r>
+                        <a:rPr lang="en-US" altLang="ko-KR" sz="1400" dirty="0" smtClean="0"/>
+                        <a:t>101</a:t>
+                      </a:r>
+                      <a:endParaRPr lang="ko-KR" altLang="en-US" sz="1400" dirty="0"/>
+                    </a:p>
+                  </a:txBody>
+                  <a:tcPr anchor="ctr"/>
+                </a:tc>
                 <a:tc>
                   <a:txBody>
                     <a:bodyPr/>
@@ -17680,7 +19920,22 @@
                   </a:ext>
                 </a:extLst>
               </a:tr>
-              <a:tr h="378815">
+              <a:tr h="433482">
+                <a:tc>
+                  <a:txBody>
+                    <a:bodyPr/>
+                    <a:lstStyle/>
+                    <a:p>
+                      <a:pPr algn="ctr" latinLnBrk="1"/>
+                      <a:r>
+                        <a:rPr lang="en-US" altLang="ko-KR" sz="1400" dirty="0" smtClean="0"/>
+                        <a:t>102</a:t>
+                      </a:r>
+                      <a:endParaRPr lang="ko-KR" altLang="en-US" sz="1400" dirty="0"/>
+                    </a:p>
+                  </a:txBody>
+                  <a:tcPr anchor="ctr"/>
+                </a:tc>
                 <a:tc>
                   <a:txBody>
                     <a:bodyPr/>
@@ -17742,7 +19997,22 @@
                   </a:ext>
                 </a:extLst>
               </a:tr>
-              <a:tr h="378815">
+              <a:tr h="433482">
+                <a:tc>
+                  <a:txBody>
+                    <a:bodyPr/>
+                    <a:lstStyle/>
+                    <a:p>
+                      <a:pPr algn="ctr" latinLnBrk="1"/>
+                      <a:r>
+                        <a:rPr lang="en-US" altLang="ko-KR" sz="1400" dirty="0" smtClean="0"/>
+                        <a:t>103</a:t>
+                      </a:r>
+                      <a:endParaRPr lang="ko-KR" altLang="en-US" sz="1400" dirty="0"/>
+                    </a:p>
+                  </a:txBody>
+                  <a:tcPr anchor="ctr"/>
+                </a:tc>
                 <a:tc>
                   <a:txBody>
                     <a:bodyPr/>
@@ -17839,400 +20109,7 @@
       </p:sp>
       <p:graphicFrame>
         <p:nvGraphicFramePr>
-          <p:cNvPr id="9" name="내용 개체 틀 4">
-            <a:extLst>
-              <a:ext uri="{FF2B5EF4-FFF2-40B4-BE49-F238E27FC236}">
-                <a16:creationId xmlns:a16="http://schemas.microsoft.com/office/drawing/2014/main" id="{95D3B167-031A-4223-8A60-9D739B087B60}"/>
-              </a:ext>
-            </a:extLst>
-          </p:cNvPr>
-          <p:cNvGraphicFramePr>
-            <a:graphicFrameLocks/>
-          </p:cNvGraphicFramePr>
-          <p:nvPr>
-            <p:extLst>
-              <p:ext uri="{D42A27DB-BD31-4B8C-83A1-F6EECF244321}">
-                <p14:modId xmlns:p14="http://schemas.microsoft.com/office/powerpoint/2010/main" val="600454825"/>
-              </p:ext>
-            </p:extLst>
-          </p:nvPr>
-        </p:nvGraphicFramePr>
-        <p:xfrm>
-          <a:off x="899592" y="3861048"/>
-          <a:ext cx="4464496" cy="1541012"/>
-        </p:xfrm>
-        <a:graphic>
-          <a:graphicData uri="http://schemas.openxmlformats.org/drawingml/2006/table">
-            <a:tbl>
-              <a:tblPr firstRow="1">
-                <a:tableStyleId>{5940675A-B579-460E-94D1-54222C63F5DA}</a:tableStyleId>
-              </a:tblPr>
-              <a:tblGrid>
-                <a:gridCol w="1398897">
-                  <a:extLst>
-                    <a:ext uri="{9D8B030D-6E8A-4147-A177-3AD203B41FA5}">
-                      <a16:colId xmlns:a16="http://schemas.microsoft.com/office/drawing/2014/main" val="20000"/>
-                    </a:ext>
-                  </a:extLst>
-                </a:gridCol>
-                <a:gridCol w="1251644">
-                  <a:extLst>
-                    <a:ext uri="{9D8B030D-6E8A-4147-A177-3AD203B41FA5}">
-                      <a16:colId xmlns:a16="http://schemas.microsoft.com/office/drawing/2014/main" val="20001"/>
-                    </a:ext>
-                  </a:extLst>
-                </a:gridCol>
-                <a:gridCol w="1813955">
-                  <a:extLst>
-                    <a:ext uri="{9D8B030D-6E8A-4147-A177-3AD203B41FA5}">
-                      <a16:colId xmlns:a16="http://schemas.microsoft.com/office/drawing/2014/main" val="20002"/>
-                    </a:ext>
-                  </a:extLst>
-                </a:gridCol>
-              </a:tblGrid>
-              <a:tr h="331400">
-                <a:tc>
-                  <a:txBody>
-                    <a:bodyPr/>
-                    <a:lstStyle/>
-                    <a:p>
-                      <a:pPr algn="ctr" latinLnBrk="1"/>
-                      <a:r>
-                        <a:rPr lang="ko-KR" altLang="en-US" sz="1400" u="sng" dirty="0"/>
-                        <a:t>교수번호</a:t>
-                      </a:r>
-                    </a:p>
-                  </a:txBody>
-                  <a:tcPr anchor="ctr">
-                    <a:solidFill>
-                      <a:schemeClr val="tx2">
-                        <a:lumMod val="20000"/>
-                        <a:lumOff val="80000"/>
-                      </a:schemeClr>
-                    </a:solidFill>
-                  </a:tcPr>
-                </a:tc>
-                <a:tc>
-                  <a:txBody>
-                    <a:bodyPr/>
-                    <a:lstStyle/>
-                    <a:p>
-                      <a:pPr algn="ctr" latinLnBrk="1"/>
-                      <a:r>
-                        <a:rPr lang="ko-KR" altLang="en-US" sz="1400" dirty="0"/>
-                        <a:t>교수 이름</a:t>
-                      </a:r>
-                    </a:p>
-                  </a:txBody>
-                  <a:tcPr anchor="ctr">
-                    <a:solidFill>
-                      <a:schemeClr val="tx2">
-                        <a:lumMod val="20000"/>
-                        <a:lumOff val="80000"/>
-                      </a:schemeClr>
-                    </a:solidFill>
-                  </a:tcPr>
-                </a:tc>
-                <a:tc>
-                  <a:txBody>
-                    <a:bodyPr/>
-                    <a:lstStyle/>
-                    <a:p>
-                      <a:pPr algn="ctr" latinLnBrk="1"/>
-                      <a:r>
-                        <a:rPr lang="ko-KR" altLang="en-US" sz="1400" dirty="0"/>
-                        <a:t>전공</a:t>
-                      </a:r>
-                    </a:p>
-                  </a:txBody>
-                  <a:tcPr anchor="ctr">
-                    <a:solidFill>
-                      <a:schemeClr val="tx2">
-                        <a:lumMod val="20000"/>
-                        <a:lumOff val="80000"/>
-                      </a:schemeClr>
-                    </a:solidFill>
-                  </a:tcPr>
-                </a:tc>
-                <a:extLst>
-                  <a:ext uri="{0D108BD9-81ED-4DB2-BD59-A6C34878D82A}">
-                    <a16:rowId xmlns:a16="http://schemas.microsoft.com/office/drawing/2014/main" val="10000"/>
-                  </a:ext>
-                </a:extLst>
-              </a:tr>
-              <a:tr h="403204">
-                <a:tc>
-                  <a:txBody>
-                    <a:bodyPr/>
-                    <a:lstStyle/>
-                    <a:p>
-                      <a:pPr algn="ctr" latinLnBrk="1"/>
-                      <a:r>
-                        <a:rPr lang="en-US" altLang="ko-KR" sz="1400" dirty="0"/>
-                        <a:t>301</a:t>
-                      </a:r>
-                      <a:endParaRPr lang="ko-KR" altLang="en-US" sz="1400" dirty="0"/>
-                    </a:p>
-                  </a:txBody>
-                  <a:tcPr anchor="ctr"/>
-                </a:tc>
-                <a:tc>
-                  <a:txBody>
-                    <a:bodyPr/>
-                    <a:lstStyle/>
-                    <a:p>
-                      <a:pPr algn="ctr" latinLnBrk="1"/>
-                      <a:r>
-                        <a:rPr lang="ko-KR" altLang="en-US" sz="1400" dirty="0" err="1"/>
-                        <a:t>오용철</a:t>
-                      </a:r>
-                      <a:endParaRPr lang="ko-KR" altLang="en-US" sz="1400" dirty="0"/>
-                    </a:p>
-                  </a:txBody>
-                  <a:tcPr anchor="ctr"/>
-                </a:tc>
-                <a:tc>
-                  <a:txBody>
-                    <a:bodyPr/>
-                    <a:lstStyle/>
-                    <a:p>
-                      <a:pPr algn="l" latinLnBrk="1"/>
-                      <a:r>
-                        <a:rPr lang="ko-KR" altLang="en-US" sz="1400" dirty="0"/>
-                        <a:t> 데이터베이스</a:t>
-                      </a:r>
-                    </a:p>
-                  </a:txBody>
-                  <a:tcPr anchor="ctr"/>
-                </a:tc>
-                <a:extLst>
-                  <a:ext uri="{0D108BD9-81ED-4DB2-BD59-A6C34878D82A}">
-                    <a16:rowId xmlns:a16="http://schemas.microsoft.com/office/drawing/2014/main" val="10001"/>
-                  </a:ext>
-                </a:extLst>
-              </a:tr>
-              <a:tr h="403204">
-                <a:tc>
-                  <a:txBody>
-                    <a:bodyPr/>
-                    <a:lstStyle/>
-                    <a:p>
-                      <a:pPr algn="ctr" latinLnBrk="1"/>
-                      <a:r>
-                        <a:rPr lang="en-US" altLang="ko-KR" sz="1400" dirty="0"/>
-                        <a:t>402</a:t>
-                      </a:r>
-                      <a:endParaRPr lang="ko-KR" altLang="en-US" sz="1400" dirty="0"/>
-                    </a:p>
-                  </a:txBody>
-                  <a:tcPr anchor="ctr"/>
-                </a:tc>
-                <a:tc>
-                  <a:txBody>
-                    <a:bodyPr/>
-                    <a:lstStyle/>
-                    <a:p>
-                      <a:pPr algn="ctr" latinLnBrk="1"/>
-                      <a:r>
-                        <a:rPr lang="ko-KR" altLang="en-US" sz="1400" dirty="0"/>
-                        <a:t>송미영</a:t>
-                      </a:r>
-                    </a:p>
-                  </a:txBody>
-                  <a:tcPr anchor="ctr"/>
-                </a:tc>
-                <a:tc>
-                  <a:txBody>
-                    <a:bodyPr/>
-                    <a:lstStyle/>
-                    <a:p>
-                      <a:pPr algn="l" latinLnBrk="1"/>
-                      <a:r>
-                        <a:rPr lang="ko-KR" altLang="en-US" sz="1400" dirty="0"/>
-                        <a:t> 화학 개론</a:t>
-                      </a:r>
-                    </a:p>
-                  </a:txBody>
-                  <a:tcPr anchor="ctr"/>
-                </a:tc>
-                <a:extLst>
-                  <a:ext uri="{0D108BD9-81ED-4DB2-BD59-A6C34878D82A}">
-                    <a16:rowId xmlns:a16="http://schemas.microsoft.com/office/drawing/2014/main" val="10002"/>
-                  </a:ext>
-                </a:extLst>
-              </a:tr>
-              <a:tr h="403204">
-                <a:tc>
-                  <a:txBody>
-                    <a:bodyPr/>
-                    <a:lstStyle/>
-                    <a:p>
-                      <a:pPr algn="ctr" latinLnBrk="1"/>
-                      <a:r>
-                        <a:rPr lang="en-US" altLang="ko-KR" sz="1400" dirty="0"/>
-                        <a:t>501</a:t>
-                      </a:r>
-                      <a:endParaRPr lang="ko-KR" altLang="en-US" sz="1400" dirty="0"/>
-                    </a:p>
-                  </a:txBody>
-                  <a:tcPr anchor="ctr"/>
-                </a:tc>
-                <a:tc>
-                  <a:txBody>
-                    <a:bodyPr/>
-                    <a:lstStyle/>
-                    <a:p>
-                      <a:pPr algn="ctr" latinLnBrk="1"/>
-                      <a:r>
-                        <a:rPr lang="ko-KR" altLang="en-US" sz="1400" dirty="0" err="1"/>
-                        <a:t>박은종</a:t>
-                      </a:r>
-                      <a:endParaRPr lang="ko-KR" altLang="en-US" sz="1400" dirty="0"/>
-                    </a:p>
-                  </a:txBody>
-                  <a:tcPr anchor="ctr"/>
-                </a:tc>
-                <a:tc>
-                  <a:txBody>
-                    <a:bodyPr/>
-                    <a:lstStyle/>
-                    <a:p>
-                      <a:pPr algn="l" latinLnBrk="1"/>
-                      <a:r>
-                        <a:rPr lang="ko-KR" altLang="en-US" sz="1400" dirty="0"/>
-                        <a:t> 전기 공학 개론</a:t>
-                      </a:r>
-                    </a:p>
-                  </a:txBody>
-                  <a:tcPr anchor="ctr"/>
-                </a:tc>
-                <a:extLst>
-                  <a:ext uri="{0D108BD9-81ED-4DB2-BD59-A6C34878D82A}">
-                    <a16:rowId xmlns:a16="http://schemas.microsoft.com/office/drawing/2014/main" val="10003"/>
-                  </a:ext>
-                </a:extLst>
-              </a:tr>
-            </a:tbl>
-          </a:graphicData>
-        </a:graphic>
-      </p:graphicFrame>
-      <p:sp>
-        <p:nvSpPr>
-          <p:cNvPr id="10" name="TextBox 9">
-            <a:extLst>
-              <a:ext uri="{FF2B5EF4-FFF2-40B4-BE49-F238E27FC236}">
-                <a16:creationId xmlns:a16="http://schemas.microsoft.com/office/drawing/2014/main" id="{57096B16-4426-4DC4-B592-17D0BBC0CFA0}"/>
-              </a:ext>
-            </a:extLst>
-          </p:cNvPr>
-          <p:cNvSpPr txBox="1"/>
-          <p:nvPr/>
-        </p:nvSpPr>
-        <p:spPr>
-          <a:xfrm>
-            <a:off x="899592" y="3429000"/>
-            <a:ext cx="684076" cy="338554"/>
-          </a:xfrm>
-          <a:prstGeom prst="rect">
-            <a:avLst/>
-          </a:prstGeom>
-          <a:noFill/>
-        </p:spPr>
-        <p:txBody>
-          <a:bodyPr wrap="square" rtlCol="0">
-            <a:spAutoFit/>
-          </a:bodyPr>
-          <a:lstStyle/>
-          <a:p>
-            <a:r>
-              <a:rPr lang="ko-KR" altLang="en-US" sz="1600" b="1" dirty="0"/>
-              <a:t>교수</a:t>
-            </a:r>
-          </a:p>
-        </p:txBody>
-      </p:sp>
-    </p:spTree>
-    <p:extLst>
-      <p:ext uri="{BB962C8B-B14F-4D97-AF65-F5344CB8AC3E}">
-        <p14:creationId xmlns:p14="http://schemas.microsoft.com/office/powerpoint/2010/main" val="2694955915"/>
-      </p:ext>
-    </p:extLst>
-  </p:cSld>
-  <p:clrMapOvr>
-    <a:masterClrMapping/>
-  </p:clrMapOvr>
-</p:sld>
-</file>
-
-<file path=ppt/slides/slide28.xml><?xml version="1.0" encoding="utf-8"?>
-<p:sld xmlns:a="http://schemas.openxmlformats.org/drawingml/2006/main" xmlns:r="http://schemas.openxmlformats.org/officeDocument/2006/relationships" xmlns:p="http://schemas.openxmlformats.org/presentationml/2006/main">
-  <p:cSld>
-    <p:spTree>
-      <p:nvGrpSpPr>
-        <p:cNvPr id="1" name=""/>
-        <p:cNvGrpSpPr/>
-        <p:nvPr/>
-      </p:nvGrpSpPr>
-      <p:grpSpPr>
-        <a:xfrm>
-          <a:off x="0" y="0"/>
-          <a:ext cx="0" cy="0"/>
-          <a:chOff x="0" y="0"/>
-          <a:chExt cx="0" cy="0"/>
-        </a:xfrm>
-      </p:grpSpPr>
-      <p:sp>
-        <p:nvSpPr>
-          <p:cNvPr id="2" name="제목 1"/>
-          <p:cNvSpPr>
-            <a:spLocks noGrp="1"/>
-          </p:cNvSpPr>
-          <p:nvPr>
-            <p:ph type="title"/>
-          </p:nvPr>
-        </p:nvSpPr>
-        <p:spPr/>
-        <p:txBody>
-          <a:bodyPr/>
-          <a:lstStyle/>
-          <a:p>
-            <a:r>
-              <a:rPr lang="en-US" altLang="ko-KR" dirty="0"/>
-              <a:t>  </a:t>
-            </a:r>
-            <a:r>
-              <a:rPr lang="ko-KR" altLang="en-US" dirty="0"/>
-              <a:t>데이터 베이스 모델링</a:t>
-            </a:r>
-          </a:p>
-        </p:txBody>
-      </p:sp>
-      <p:sp>
-        <p:nvSpPr>
-          <p:cNvPr id="4" name="슬라이드 번호 개체 틀 3"/>
-          <p:cNvSpPr>
-            <a:spLocks noGrp="1"/>
-          </p:cNvSpPr>
-          <p:nvPr>
-            <p:ph type="sldNum" sz="quarter" idx="12"/>
-          </p:nvPr>
-        </p:nvSpPr>
-        <p:spPr/>
-        <p:txBody>
-          <a:bodyPr/>
-          <a:lstStyle/>
-          <a:p>
-            <a:fld id="{1BDE3FE7-3AEA-4B05-AC5A-802D1816ACF0}" type="slidenum">
-              <a:rPr lang="ko-KR" altLang="en-US" smtClean="0"/>
-              <a:t>28</a:t>
-            </a:fld>
-            <a:endParaRPr lang="ko-KR" altLang="en-US"/>
-          </a:p>
-        </p:txBody>
-      </p:sp>
-      <p:graphicFrame>
-        <p:nvGraphicFramePr>
-          <p:cNvPr id="6" name="내용 개체 틀 4">
+          <p:cNvPr id="8" name="내용 개체 틀 4">
             <a:extLst>
               <a:ext uri="{FF2B5EF4-FFF2-40B4-BE49-F238E27FC236}">
                 <a16:creationId xmlns:a16="http://schemas.microsoft.com/office/drawing/2014/main" id="{69B072FD-2748-4F2E-84C7-8EFF692185CF}"/>
@@ -18245,14 +20122,14 @@
           <p:nvPr>
             <p:extLst>
               <p:ext uri="{D42A27DB-BD31-4B8C-83A1-F6EECF244321}">
-                <p14:modId xmlns:p14="http://schemas.microsoft.com/office/powerpoint/2010/main" val="1288828965"/>
+                <p14:modId xmlns:p14="http://schemas.microsoft.com/office/powerpoint/2010/main" val="46220802"/>
               </p:ext>
             </p:extLst>
           </p:nvPr>
         </p:nvGraphicFramePr>
         <p:xfrm>
-          <a:off x="899592" y="2111369"/>
-          <a:ext cx="7688714" cy="1978924"/>
+          <a:off x="899591" y="3898347"/>
+          <a:ext cx="6624737" cy="1834909"/>
         </p:xfrm>
         <a:graphic>
           <a:graphicData uri="http://schemas.openxmlformats.org/drawingml/2006/table">
@@ -18261,57 +20138,50 @@
                 <a:tableStyleId>{5940675A-B579-460E-94D1-54222C63F5DA}</a:tableStyleId>
               </a:tblPr>
               <a:tblGrid>
-                <a:gridCol w="981698">
+                <a:gridCol w="1224137">
                   <a:extLst>
                     <a:ext uri="{9D8B030D-6E8A-4147-A177-3AD203B41FA5}">
                       <a16:colId xmlns:a16="http://schemas.microsoft.com/office/drawing/2014/main" val="20000"/>
                     </a:ext>
                   </a:extLst>
                 </a:gridCol>
-                <a:gridCol w="1137465">
+                <a:gridCol w="1080120">
                   <a:extLst>
                     <a:ext uri="{9D8B030D-6E8A-4147-A177-3AD203B41FA5}">
                       <a16:colId xmlns:a16="http://schemas.microsoft.com/office/drawing/2014/main" val="20001"/>
                     </a:ext>
                   </a:extLst>
                 </a:gridCol>
-                <a:gridCol w="610362">
+                <a:gridCol w="720080">
                   <a:extLst>
                     <a:ext uri="{9D8B030D-6E8A-4147-A177-3AD203B41FA5}">
                       <a16:colId xmlns:a16="http://schemas.microsoft.com/office/drawing/2014/main" val="20002"/>
                     </a:ext>
                   </a:extLst>
                 </a:gridCol>
-                <a:gridCol w="686657">
+                <a:gridCol w="792088">
                   <a:extLst>
                     <a:ext uri="{9D8B030D-6E8A-4147-A177-3AD203B41FA5}">
                       <a16:colId xmlns:a16="http://schemas.microsoft.com/office/drawing/2014/main" val="20003"/>
                     </a:ext>
                   </a:extLst>
                 </a:gridCol>
-                <a:gridCol w="1602199">
+                <a:gridCol w="1800200">
                   <a:extLst>
                     <a:ext uri="{9D8B030D-6E8A-4147-A177-3AD203B41FA5}">
                       <a16:colId xmlns:a16="http://schemas.microsoft.com/office/drawing/2014/main" val="20004"/>
                     </a:ext>
                   </a:extLst>
                 </a:gridCol>
-                <a:gridCol w="1590215">
+                <a:gridCol w="1008112">
                   <a:extLst>
                     <a:ext uri="{9D8B030D-6E8A-4147-A177-3AD203B41FA5}">
                       <a16:colId xmlns:a16="http://schemas.microsoft.com/office/drawing/2014/main" val="2761622716"/>
                     </a:ext>
                   </a:extLst>
                 </a:gridCol>
-                <a:gridCol w="1080118">
-                  <a:extLst>
-                    <a:ext uri="{9D8B030D-6E8A-4147-A177-3AD203B41FA5}">
-                      <a16:colId xmlns:a16="http://schemas.microsoft.com/office/drawing/2014/main" val="3180905332"/>
-                    </a:ext>
-                  </a:extLst>
-                </a:gridCol>
               </a:tblGrid>
-              <a:tr h="337316">
+              <a:tr h="394603">
                 <a:tc>
                   <a:txBody>
                     <a:bodyPr/>
@@ -18340,9 +20210,10 @@
                     <a:p>
                       <a:pPr algn="ctr" latinLnBrk="1"/>
                       <a:r>
-                        <a:rPr lang="ko-KR" altLang="en-US" sz="1400" dirty="0"/>
-                        <a:t>학생 이름</a:t>
+                        <a:rPr lang="ko-KR" altLang="en-US" sz="1400" dirty="0" smtClean="0"/>
+                        <a:t>이름</a:t>
                       </a:r>
+                      <a:endParaRPr lang="ko-KR" altLang="en-US" sz="1400" dirty="0"/>
                     </a:p>
                   </a:txBody>
                   <a:tcPr anchor="ctr">
@@ -18424,31 +20295,10 @@
                     <a:p>
                       <a:pPr algn="ctr" latinLnBrk="1"/>
                       <a:r>
-                        <a:rPr lang="ko-KR" altLang="en-US" sz="1400" dirty="0" err="1"/>
-                        <a:t>학과명</a:t>
+                        <a:rPr lang="ko-KR" altLang="en-US" sz="1400" dirty="0" err="1" smtClean="0"/>
+                        <a:t>학과코드</a:t>
                       </a:r>
                       <a:endParaRPr lang="ko-KR" altLang="en-US" sz="1400" dirty="0"/>
-                    </a:p>
-                  </a:txBody>
-                  <a:tcPr anchor="ctr">
-                    <a:solidFill>
-                      <a:schemeClr val="tx2">
-                        <a:lumMod val="20000"/>
-                        <a:lumOff val="80000"/>
-                      </a:schemeClr>
-                    </a:solidFill>
-                  </a:tcPr>
-                </a:tc>
-                <a:tc>
-                  <a:txBody>
-                    <a:bodyPr/>
-                    <a:lstStyle/>
-                    <a:p>
-                      <a:pPr algn="ctr" latinLnBrk="1"/>
-                      <a:r>
-                        <a:rPr lang="ko-KR" altLang="en-US" sz="1400" dirty="0"/>
-                        <a:t>교수번호</a:t>
-                      </a:r>
                     </a:p>
                   </a:txBody>
                   <a:tcPr anchor="ctr">
@@ -18466,7 +20316,7 @@
                   </a:ext>
                 </a:extLst>
               </a:tr>
-              <a:tr h="410402">
+              <a:tr h="480102">
                 <a:tc>
                   <a:txBody>
                     <a:bodyPr/>
@@ -18523,9 +20373,10 @@
                     <a:p>
                       <a:pPr algn="ctr" latinLnBrk="1"/>
                       <a:r>
-                        <a:rPr lang="ko-KR" altLang="en-US" sz="1400" dirty="0"/>
-                        <a:t>여</a:t>
+                        <a:rPr lang="ko-KR" altLang="en-US" sz="1400" dirty="0" smtClean="0"/>
+                        <a:t>여자</a:t>
                       </a:r>
+                      <a:endParaRPr lang="ko-KR" altLang="en-US" sz="1400" dirty="0"/>
                     </a:p>
                   </a:txBody>
                   <a:tcPr anchor="ctr"/>
@@ -18538,22 +20389,13 @@
                       <a:pPr algn="ctr" latinLnBrk="1"/>
                       <a:r>
                         <a:rPr lang="ko-KR" altLang="en-US" sz="1400" dirty="0"/>
-                        <a:t>서울시 구로구</a:t>
+                        <a:t>서울시 </a:t>
                       </a:r>
-                    </a:p>
-                  </a:txBody>
-                  <a:tcPr anchor="ctr"/>
-                </a:tc>
-                <a:tc>
-                  <a:txBody>
-                    <a:bodyPr/>
-                    <a:lstStyle/>
-                    <a:p>
-                      <a:pPr algn="l" latinLnBrk="1"/>
                       <a:r>
-                        <a:rPr lang="ko-KR" altLang="en-US" sz="1400" dirty="0"/>
-                        <a:t> 소프트웨어학과</a:t>
+                        <a:rPr lang="ko-KR" altLang="en-US" sz="1400" dirty="0" smtClean="0"/>
+                        <a:t>종로구</a:t>
                       </a:r>
+                      <a:endParaRPr lang="ko-KR" altLang="en-US" sz="1400" dirty="0"/>
                     </a:p>
                   </a:txBody>
                   <a:tcPr anchor="ctr"/>
@@ -18565,8 +20407,12 @@
                     <a:p>
                       <a:pPr algn="ctr" latinLnBrk="1"/>
                       <a:r>
-                        <a:rPr lang="en-US" altLang="ko-KR" sz="1400" dirty="0"/>
-                        <a:t>301</a:t>
+                        <a:rPr lang="ko-KR" altLang="en-US" sz="1400" dirty="0"/>
+                        <a:t> </a:t>
+                      </a:r>
+                      <a:r>
+                        <a:rPr lang="en-US" altLang="ko-KR" sz="1400" dirty="0" smtClean="0"/>
+                        <a:t>102</a:t>
                       </a:r>
                       <a:endParaRPr lang="ko-KR" altLang="en-US" sz="1400" dirty="0"/>
                     </a:p>
@@ -18579,7 +20425,7 @@
                   </a:ext>
                 </a:extLst>
               </a:tr>
-              <a:tr h="410402">
+              <a:tr h="480102">
                 <a:tc>
                   <a:txBody>
                     <a:bodyPr/>
@@ -18636,9 +20482,10 @@
                     <a:p>
                       <a:pPr algn="ctr" latinLnBrk="1"/>
                       <a:r>
-                        <a:rPr lang="ko-KR" altLang="en-US" sz="1400" dirty="0"/>
-                        <a:t>남</a:t>
+                        <a:rPr lang="ko-KR" altLang="en-US" sz="1400" dirty="0" smtClean="0"/>
+                        <a:t>남자</a:t>
                       </a:r>
+                      <a:endParaRPr lang="ko-KR" altLang="en-US" sz="1400" dirty="0"/>
                     </a:p>
                   </a:txBody>
                   <a:tcPr anchor="ctr"/>
@@ -18650,23 +20497,10 @@
                     <a:p>
                       <a:pPr algn="ctr" latinLnBrk="1"/>
                       <a:r>
-                        <a:rPr lang="ko-KR" altLang="en-US" sz="1400" dirty="0"/>
-                        <a:t>서울시 성동구</a:t>
+                        <a:rPr lang="ko-KR" altLang="en-US" sz="1400" dirty="0" smtClean="0"/>
+                        <a:t>경기도 성남시</a:t>
                       </a:r>
-                    </a:p>
-                  </a:txBody>
-                  <a:tcPr anchor="ctr"/>
-                </a:tc>
-                <a:tc>
-                  <a:txBody>
-                    <a:bodyPr/>
-                    <a:lstStyle/>
-                    <a:p>
-                      <a:pPr algn="l" latinLnBrk="1"/>
-                      <a:r>
-                        <a:rPr lang="ko-KR" altLang="en-US" sz="1400" dirty="0"/>
-                        <a:t> 전기전자공학과</a:t>
-                      </a:r>
+                      <a:endParaRPr lang="ko-KR" altLang="en-US" sz="1400" dirty="0"/>
                     </a:p>
                   </a:txBody>
                   <a:tcPr anchor="ctr"/>
@@ -18678,8 +20512,8 @@
                     <a:p>
                       <a:pPr algn="ctr" latinLnBrk="1"/>
                       <a:r>
-                        <a:rPr lang="en-US" altLang="ko-KR" sz="1400" dirty="0"/>
-                        <a:t>501</a:t>
+                        <a:rPr lang="en-US" altLang="ko-KR" sz="1400" dirty="0" smtClean="0"/>
+                        <a:t> 101</a:t>
                       </a:r>
                       <a:endParaRPr lang="ko-KR" altLang="en-US" sz="1400" dirty="0"/>
                     </a:p>
@@ -18692,7 +20526,7 @@
                   </a:ext>
                 </a:extLst>
               </a:tr>
-              <a:tr h="410402">
+              <a:tr h="480102">
                 <a:tc>
                   <a:txBody>
                     <a:bodyPr/>
@@ -18749,9 +20583,10 @@
                     <a:p>
                       <a:pPr algn="ctr" latinLnBrk="1"/>
                       <a:r>
-                        <a:rPr lang="ko-KR" altLang="en-US" sz="1400" dirty="0"/>
-                        <a:t>여</a:t>
+                        <a:rPr lang="ko-KR" altLang="en-US" sz="1400" dirty="0" smtClean="0"/>
+                        <a:t>여자</a:t>
                       </a:r>
+                      <a:endParaRPr lang="ko-KR" altLang="en-US" sz="1400" dirty="0"/>
                     </a:p>
                   </a:txBody>
                   <a:tcPr anchor="ctr"/>
@@ -18763,39 +20598,10 @@
                     <a:p>
                       <a:pPr algn="ctr" latinLnBrk="1"/>
                       <a:r>
-                        <a:rPr lang="ko-KR" altLang="en-US" sz="1400" dirty="0"/>
-                        <a:t>서울시 강남구</a:t>
+                        <a:rPr lang="ko-KR" altLang="en-US" sz="1400" dirty="0" smtClean="0"/>
+                        <a:t>경기도 수원시</a:t>
                       </a:r>
-                    </a:p>
-                  </a:txBody>
-                  <a:tcPr anchor="ctr"/>
-                </a:tc>
-                <a:tc>
-                  <a:txBody>
-                    <a:bodyPr/>
-                    <a:lstStyle/>
-                    <a:p>
-                      <a:pPr marL="0" marR="0" lvl="0" indent="0" algn="l" defTabSz="914400" rtl="0" eaLnBrk="1" fontAlgn="auto" latinLnBrk="1" hangingPunct="1">
-                        <a:lnSpc>
-                          <a:spcPct val="100000"/>
-                        </a:lnSpc>
-                        <a:spcBef>
-                          <a:spcPts val="0"/>
-                        </a:spcBef>
-                        <a:spcAft>
-                          <a:spcPts val="0"/>
-                        </a:spcAft>
-                        <a:buClrTx/>
-                        <a:buSzTx/>
-                        <a:buFontTx/>
-                        <a:buNone/>
-                        <a:tabLst/>
-                        <a:defRPr/>
-                      </a:pPr>
-                      <a:r>
-                        <a:rPr lang="ko-KR" altLang="en-US" sz="1400" dirty="0"/>
-                        <a:t> 소프트웨어학과</a:t>
-                      </a:r>
+                      <a:endParaRPr lang="ko-KR" altLang="en-US" sz="1400" dirty="0"/>
                     </a:p>
                   </a:txBody>
                   <a:tcPr anchor="ctr"/>
@@ -18823,8 +20629,12 @@
                         <a:defRPr/>
                       </a:pPr>
                       <a:r>
-                        <a:rPr lang="en-US" altLang="ko-KR" sz="1400" dirty="0"/>
-                        <a:t>301</a:t>
+                        <a:rPr lang="ko-KR" altLang="en-US" sz="1400" dirty="0"/>
+                        <a:t> </a:t>
+                      </a:r>
+                      <a:r>
+                        <a:rPr lang="en-US" altLang="ko-KR" sz="1400" dirty="0" smtClean="0"/>
+                        <a:t>103</a:t>
                       </a:r>
                       <a:endParaRPr lang="ko-KR" altLang="en-US" sz="1400" dirty="0"/>
                     </a:p>
@@ -18837,121 +20647,13 @@
                   </a:ext>
                 </a:extLst>
               </a:tr>
-              <a:tr h="410402">
-                <a:tc>
-                  <a:txBody>
-                    <a:bodyPr/>
-                    <a:lstStyle/>
-                    <a:p>
-                      <a:pPr algn="ctr" latinLnBrk="1"/>
-                      <a:r>
-                        <a:rPr lang="en-US" altLang="ko-KR" sz="1400" dirty="0"/>
-                        <a:t>20211237</a:t>
-                      </a:r>
-                      <a:endParaRPr lang="ko-KR" altLang="en-US" sz="1400" dirty="0"/>
-                    </a:p>
-                  </a:txBody>
-                  <a:tcPr anchor="ctr"/>
-                </a:tc>
-                <a:tc>
-                  <a:txBody>
-                    <a:bodyPr/>
-                    <a:lstStyle/>
-                    <a:p>
-                      <a:pPr algn="l" latinLnBrk="1"/>
-                      <a:r>
-                        <a:rPr lang="ko-KR" altLang="en-US" sz="1400" dirty="0"/>
-                        <a:t> 정산들</a:t>
-                      </a:r>
-                    </a:p>
-                  </a:txBody>
-                  <a:tcPr anchor="ctr"/>
-                </a:tc>
-                <a:tc>
-                  <a:txBody>
-                    <a:bodyPr/>
-                    <a:lstStyle/>
-                    <a:p>
-                      <a:pPr algn="ctr" latinLnBrk="1"/>
-                      <a:r>
-                        <a:rPr lang="en-US" altLang="ko-KR" sz="1400" dirty="0"/>
-                        <a:t>27</a:t>
-                      </a:r>
-                      <a:endParaRPr lang="ko-KR" altLang="en-US" sz="1400" dirty="0"/>
-                    </a:p>
-                  </a:txBody>
-                  <a:tcPr anchor="ctr"/>
-                </a:tc>
-                <a:tc>
-                  <a:txBody>
-                    <a:bodyPr/>
-                    <a:lstStyle/>
-                    <a:p>
-                      <a:pPr algn="ctr" latinLnBrk="1"/>
-                      <a:r>
-                        <a:rPr lang="ko-KR" altLang="en-US" sz="1400" dirty="0"/>
-                        <a:t>남</a:t>
-                      </a:r>
-                    </a:p>
-                  </a:txBody>
-                  <a:tcPr anchor="ctr"/>
-                </a:tc>
-                <a:tc>
-                  <a:txBody>
-                    <a:bodyPr/>
-                    <a:lstStyle/>
-                    <a:p>
-                      <a:pPr algn="ctr" latinLnBrk="1"/>
-                      <a:r>
-                        <a:rPr lang="ko-KR" altLang="en-US" sz="1400" dirty="0"/>
-                        <a:t>경기도 수원시</a:t>
-                      </a:r>
-                    </a:p>
-                  </a:txBody>
-                  <a:tcPr anchor="ctr"/>
-                </a:tc>
-                <a:tc>
-                  <a:txBody>
-                    <a:bodyPr/>
-                    <a:lstStyle/>
-                    <a:p>
-                      <a:pPr algn="l" latinLnBrk="1"/>
-                      <a:r>
-                        <a:rPr lang="ko-KR" altLang="en-US" sz="1400" dirty="0"/>
-                        <a:t> 화학공학과</a:t>
-                      </a:r>
-                    </a:p>
-                  </a:txBody>
-                  <a:tcPr anchor="ctr"/>
-                </a:tc>
-                <a:tc>
-                  <a:txBody>
-                    <a:bodyPr/>
-                    <a:lstStyle/>
-                    <a:p>
-                      <a:pPr algn="ctr" latinLnBrk="1"/>
-                      <a:r>
-                        <a:rPr lang="en-US" altLang="ko-KR" sz="1400" dirty="0"/>
-                        <a:t>402</a:t>
-                      </a:r>
-                      <a:endParaRPr lang="ko-KR" altLang="en-US" sz="1400" dirty="0"/>
-                    </a:p>
-                  </a:txBody>
-                  <a:tcPr anchor="ctr"/>
-                </a:tc>
-                <a:extLst>
-                  <a:ext uri="{0D108BD9-81ED-4DB2-BD59-A6C34878D82A}">
-                    <a16:rowId xmlns:a16="http://schemas.microsoft.com/office/drawing/2014/main" val="10004"/>
-                  </a:ext>
-                </a:extLst>
-              </a:tr>
             </a:tbl>
           </a:graphicData>
         </a:graphic>
       </p:graphicFrame>
       <p:sp>
         <p:nvSpPr>
-          <p:cNvPr id="7" name="TextBox 6">
+          <p:cNvPr id="11" name="TextBox 10">
             <a:extLst>
               <a:ext uri="{FF2B5EF4-FFF2-40B4-BE49-F238E27FC236}">
                 <a16:creationId xmlns:a16="http://schemas.microsoft.com/office/drawing/2014/main" id="{F7309FA4-8440-4429-BE9A-FC00D8DD6138}"/>
@@ -18963,7 +20665,7 @@
         </p:nvSpPr>
         <p:spPr>
           <a:xfrm>
-            <a:off x="899592" y="1700808"/>
+            <a:off x="899592" y="3487786"/>
             <a:ext cx="684076" cy="338554"/>
           </a:xfrm>
           <a:prstGeom prst="rect">
@@ -18987,165 +20689,7 @@
     </p:spTree>
     <p:extLst>
       <p:ext uri="{BB962C8B-B14F-4D97-AF65-F5344CB8AC3E}">
-        <p14:creationId xmlns:p14="http://schemas.microsoft.com/office/powerpoint/2010/main" val="3726557033"/>
-      </p:ext>
-    </p:extLst>
-  </p:cSld>
-  <p:clrMapOvr>
-    <a:masterClrMapping/>
-  </p:clrMapOvr>
-</p:sld>
-</file>
-
-<file path=ppt/slides/slide29.xml><?xml version="1.0" encoding="utf-8"?>
-<p:sld xmlns:a="http://schemas.openxmlformats.org/drawingml/2006/main" xmlns:r="http://schemas.openxmlformats.org/officeDocument/2006/relationships" xmlns:p="http://schemas.openxmlformats.org/presentationml/2006/main">
-  <p:cSld>
-    <p:spTree>
-      <p:nvGrpSpPr>
-        <p:cNvPr id="1" name=""/>
-        <p:cNvGrpSpPr/>
-        <p:nvPr/>
-      </p:nvGrpSpPr>
-      <p:grpSpPr>
-        <a:xfrm>
-          <a:off x="0" y="0"/>
-          <a:ext cx="0" cy="0"/>
-          <a:chOff x="0" y="0"/>
-          <a:chExt cx="0" cy="0"/>
-        </a:xfrm>
-      </p:grpSpPr>
-      <p:sp>
-        <p:nvSpPr>
-          <p:cNvPr id="2" name="제목 1"/>
-          <p:cNvSpPr>
-            <a:spLocks noGrp="1"/>
-          </p:cNvSpPr>
-          <p:nvPr>
-            <p:ph type="title"/>
-          </p:nvPr>
-        </p:nvSpPr>
-        <p:spPr/>
-        <p:txBody>
-          <a:bodyPr/>
-          <a:lstStyle/>
-          <a:p>
-            <a:r>
-              <a:rPr lang="en-US" altLang="ko-KR" dirty="0"/>
-              <a:t>  </a:t>
-            </a:r>
-            <a:r>
-              <a:rPr lang="ko-KR" altLang="en-US" dirty="0"/>
-              <a:t>데이터베이스 모델링</a:t>
-            </a:r>
-          </a:p>
-        </p:txBody>
-      </p:sp>
-      <p:sp>
-        <p:nvSpPr>
-          <p:cNvPr id="4" name="슬라이드 번호 개체 틀 3"/>
-          <p:cNvSpPr>
-            <a:spLocks noGrp="1"/>
-          </p:cNvSpPr>
-          <p:nvPr>
-            <p:ph type="sldNum" sz="quarter" idx="12"/>
-          </p:nvPr>
-        </p:nvSpPr>
-        <p:spPr/>
-        <p:txBody>
-          <a:bodyPr/>
-          <a:lstStyle/>
-          <a:p>
-            <a:fld id="{1BDE3FE7-3AEA-4B05-AC5A-802D1816ACF0}" type="slidenum">
-              <a:rPr lang="ko-KR" altLang="en-US" smtClean="0"/>
-              <a:t>29</a:t>
-            </a:fld>
-            <a:endParaRPr lang="ko-KR" altLang="en-US"/>
-          </a:p>
-        </p:txBody>
-      </p:sp>
-      <p:sp>
-        <p:nvSpPr>
-          <p:cNvPr id="6" name="TextBox 5"/>
-          <p:cNvSpPr txBox="1"/>
-          <p:nvPr/>
-        </p:nvSpPr>
-        <p:spPr>
-          <a:xfrm>
-            <a:off x="755576" y="1196752"/>
-            <a:ext cx="5472608" cy="400110"/>
-          </a:xfrm>
-          <a:prstGeom prst="rect">
-            <a:avLst/>
-          </a:prstGeom>
-          <a:noFill/>
-        </p:spPr>
-        <p:txBody>
-          <a:bodyPr wrap="square" rtlCol="0">
-            <a:spAutoFit/>
-          </a:bodyPr>
-          <a:lstStyle/>
-          <a:p>
-            <a:r>
-              <a:rPr lang="ko-KR" altLang="en-US" sz="2000" b="1" dirty="0"/>
-              <a:t>개체 관계도</a:t>
-            </a:r>
-            <a:r>
-              <a:rPr lang="en-US" altLang="ko-KR" sz="2000" b="1" dirty="0"/>
-              <a:t>(ERD-Entity </a:t>
-            </a:r>
-            <a:r>
-              <a:rPr lang="en-US" altLang="ko-KR" sz="2000" b="1" dirty="0" err="1"/>
-              <a:t>Releation</a:t>
-            </a:r>
-            <a:r>
-              <a:rPr lang="en-US" altLang="ko-KR" sz="2000" b="1" dirty="0"/>
-              <a:t> Diagram)</a:t>
-            </a:r>
-            <a:endParaRPr lang="ko-KR" altLang="en-US" sz="2000" b="1" dirty="0"/>
-          </a:p>
-        </p:txBody>
-      </p:sp>
-      <p:pic>
-        <p:nvPicPr>
-          <p:cNvPr id="7" name="그림 6"/>
-          <p:cNvPicPr>
-            <a:picLocks noChangeAspect="1"/>
-          </p:cNvPicPr>
-          <p:nvPr/>
-        </p:nvPicPr>
-        <p:blipFill>
-          <a:blip r:embed="rId2">
-            <a:extLst>
-              <a:ext uri="{28A0092B-C50C-407E-A947-70E740481C1C}">
-                <a14:useLocalDpi xmlns:a14="http://schemas.microsoft.com/office/drawing/2010/main" val="0"/>
-              </a:ext>
-            </a:extLst>
-          </a:blip>
-          <a:stretch>
-            <a:fillRect/>
-          </a:stretch>
-        </p:blipFill>
-        <p:spPr>
-          <a:xfrm>
-            <a:off x="1115616" y="1844824"/>
-            <a:ext cx="6480719" cy="3456384"/>
-          </a:xfrm>
-          <a:prstGeom prst="rect">
-            <a:avLst/>
-          </a:prstGeom>
-          <a:ln>
-            <a:solidFill>
-              <a:schemeClr val="bg1">
-                <a:lumMod val="85000"/>
-              </a:schemeClr>
-            </a:solidFill>
-          </a:ln>
-        </p:spPr>
-      </p:pic>
-    </p:spTree>
-    <p:extLst>
-      <p:ext uri="{BB962C8B-B14F-4D97-AF65-F5344CB8AC3E}">
-        <p14:creationId xmlns:p14="http://schemas.microsoft.com/office/powerpoint/2010/main" val="1412566596"/>
+        <p14:creationId xmlns:p14="http://schemas.microsoft.com/office/powerpoint/2010/main" val="2694955915"/>
       </p:ext>
     </p:extLst>
   </p:cSld>
@@ -19605,88 +21149,16 @@
           </a:p>
         </p:txBody>
       </p:sp>
-      <p:sp>
-        <p:nvSpPr>
-          <p:cNvPr id="6" name="TextBox 5"/>
-          <p:cNvSpPr txBox="1"/>
-          <p:nvPr/>
-        </p:nvSpPr>
-        <p:spPr>
-          <a:xfrm>
-            <a:off x="1043608" y="1196752"/>
-            <a:ext cx="5472608" cy="400110"/>
-          </a:xfrm>
-          <a:prstGeom prst="rect">
-            <a:avLst/>
-          </a:prstGeom>
-          <a:noFill/>
-        </p:spPr>
-        <p:txBody>
-          <a:bodyPr wrap="square" rtlCol="0">
-            <a:spAutoFit/>
-          </a:bodyPr>
-          <a:lstStyle/>
-          <a:p>
-            <a:r>
-              <a:rPr lang="ko-KR" altLang="en-US" sz="2000" b="1"/>
-              <a:t>대학교 업무 관계</a:t>
-            </a:r>
-            <a:endParaRPr lang="ko-KR" altLang="en-US" sz="2000" b="1" dirty="0"/>
-          </a:p>
-        </p:txBody>
-      </p:sp>
       <p:pic>
         <p:nvPicPr>
-          <p:cNvPr id="7" name="그림 6"/>
-          <p:cNvPicPr>
-            <a:picLocks noChangeAspect="1"/>
-          </p:cNvPicPr>
-          <p:nvPr/>
-        </p:nvPicPr>
-        <p:blipFill rotWithShape="1">
-          <a:blip r:embed="rId2">
-            <a:extLst>
-              <a:ext uri="{28A0092B-C50C-407E-A947-70E740481C1C}">
-                <a14:useLocalDpi xmlns:a14="http://schemas.microsoft.com/office/drawing/2010/main" val="0"/>
-              </a:ext>
-            </a:extLst>
-          </a:blip>
-          <a:srcRect r="24808" b="67449"/>
-          <a:stretch/>
-        </p:blipFill>
-        <p:spPr>
-          <a:xfrm>
-            <a:off x="1707797" y="4034689"/>
-            <a:ext cx="3602359" cy="1794194"/>
-          </a:xfrm>
-          <a:prstGeom prst="rect">
-            <a:avLst/>
-          </a:prstGeom>
-          <a:ln>
-            <a:solidFill>
-              <a:schemeClr val="bg1">
-                <a:lumMod val="85000"/>
-              </a:schemeClr>
-            </a:solidFill>
-          </a:ln>
-        </p:spPr>
-      </p:pic>
-      <p:pic>
-        <p:nvPicPr>
-          <p:cNvPr id="8" name="그림 7">
-            <a:extLst>
-              <a:ext uri="{FF2B5EF4-FFF2-40B4-BE49-F238E27FC236}">
-                <a16:creationId xmlns:a16="http://schemas.microsoft.com/office/drawing/2014/main" id="{29B49D77-78EB-454C-B668-7BE8544EE5CE}"/>
-              </a:ext>
-            </a:extLst>
-          </p:cNvPr>
+          <p:cNvPr id="3" name="그림 2"/>
           <p:cNvPicPr>
             <a:picLocks noChangeAspect="1"/>
           </p:cNvPicPr>
           <p:nvPr/>
         </p:nvPicPr>
         <p:blipFill>
-          <a:blip r:embed="rId3">
+          <a:blip r:embed="rId2">
             <a:extLst>
               <a:ext uri="{28A0092B-C50C-407E-A947-70E740481C1C}">
                 <a14:useLocalDpi xmlns:a14="http://schemas.microsoft.com/office/drawing/2010/main" val="0"/>
@@ -19699,8 +21171,8 @@
         </p:blipFill>
         <p:spPr>
           <a:xfrm>
-            <a:off x="1619672" y="1924596"/>
-            <a:ext cx="3695408" cy="1794193"/>
+            <a:off x="561130" y="1628800"/>
+            <a:ext cx="7643522" cy="3337849"/>
           </a:xfrm>
           <a:prstGeom prst="rect">
             <a:avLst/>
@@ -19708,7 +21180,7 @@
           <a:ln>
             <a:solidFill>
               <a:schemeClr val="bg1">
-                <a:lumMod val="95000"/>
+                <a:lumMod val="85000"/>
               </a:schemeClr>
             </a:solidFill>
           </a:ln>
@@ -19795,128 +21267,7 @@
       </p:sp>
       <p:pic>
         <p:nvPicPr>
-          <p:cNvPr id="3" name="그림 2"/>
-          <p:cNvPicPr>
-            <a:picLocks noChangeAspect="1"/>
-          </p:cNvPicPr>
-          <p:nvPr/>
-        </p:nvPicPr>
-        <p:blipFill rotWithShape="1">
-          <a:blip r:embed="rId2">
-            <a:extLst>
-              <a:ext uri="{28A0092B-C50C-407E-A947-70E740481C1C}">
-                <a14:useLocalDpi xmlns:a14="http://schemas.microsoft.com/office/drawing/2010/main" val="0"/>
-              </a:ext>
-            </a:extLst>
-          </a:blip>
-          <a:srcRect t="33367"/>
-          <a:stretch/>
-        </p:blipFill>
-        <p:spPr>
-          <a:xfrm>
-            <a:off x="1510342" y="1412776"/>
-            <a:ext cx="4508644" cy="3456384"/>
-          </a:xfrm>
-          <a:prstGeom prst="rect">
-            <a:avLst/>
-          </a:prstGeom>
-          <a:ln>
-            <a:solidFill>
-              <a:schemeClr val="bg1">
-                <a:lumMod val="85000"/>
-              </a:schemeClr>
-            </a:solidFill>
-          </a:ln>
-        </p:spPr>
-      </p:pic>
-    </p:spTree>
-    <p:extLst>
-      <p:ext uri="{BB962C8B-B14F-4D97-AF65-F5344CB8AC3E}">
-        <p14:creationId xmlns:p14="http://schemas.microsoft.com/office/powerpoint/2010/main" val="1839423189"/>
-      </p:ext>
-    </p:extLst>
-  </p:cSld>
-  <p:clrMapOvr>
-    <a:masterClrMapping/>
-  </p:clrMapOvr>
-</p:sld>
-</file>
-
-<file path=ppt/slides/slide32.xml><?xml version="1.0" encoding="utf-8"?>
-<p:sld xmlns:a="http://schemas.openxmlformats.org/drawingml/2006/main" xmlns:r="http://schemas.openxmlformats.org/officeDocument/2006/relationships" xmlns:p="http://schemas.openxmlformats.org/presentationml/2006/main">
-  <p:cSld>
-    <p:spTree>
-      <p:nvGrpSpPr>
-        <p:cNvPr id="1" name=""/>
-        <p:cNvGrpSpPr/>
-        <p:nvPr/>
-      </p:nvGrpSpPr>
-      <p:grpSpPr>
-        <a:xfrm>
-          <a:off x="0" y="0"/>
-          <a:ext cx="0" cy="0"/>
-          <a:chOff x="0" y="0"/>
-          <a:chExt cx="0" cy="0"/>
-        </a:xfrm>
-      </p:grpSpPr>
-      <p:sp>
-        <p:nvSpPr>
-          <p:cNvPr id="2" name="제목 1"/>
-          <p:cNvSpPr>
-            <a:spLocks noGrp="1"/>
-          </p:cNvSpPr>
-          <p:nvPr>
-            <p:ph type="title"/>
-          </p:nvPr>
-        </p:nvSpPr>
-        <p:spPr/>
-        <p:txBody>
-          <a:bodyPr/>
-          <a:lstStyle/>
-          <a:p>
-            <a:r>
-              <a:rPr lang="en-US" altLang="ko-KR" dirty="0"/>
-              <a:t> </a:t>
-            </a:r>
-            <a:r>
-              <a:rPr lang="ko-KR" altLang="en-US" dirty="0"/>
-              <a:t>데이터베이스 구축하기</a:t>
-            </a:r>
-          </a:p>
-        </p:txBody>
-      </p:sp>
-      <p:sp>
-        <p:nvSpPr>
-          <p:cNvPr id="4" name="슬라이드 번호 개체 틀 3"/>
-          <p:cNvSpPr>
-            <a:spLocks noGrp="1"/>
-          </p:cNvSpPr>
-          <p:nvPr>
-            <p:ph type="sldNum" sz="quarter" idx="12"/>
-          </p:nvPr>
-        </p:nvSpPr>
-        <p:spPr/>
-        <p:txBody>
-          <a:bodyPr/>
-          <a:lstStyle/>
-          <a:p>
-            <a:fld id="{1BDE3FE7-3AEA-4B05-AC5A-802D1816ACF0}" type="slidenum">
-              <a:rPr lang="ko-KR" altLang="en-US" smtClean="0"/>
-              <a:t>32</a:t>
-            </a:fld>
-            <a:endParaRPr lang="ko-KR" altLang="en-US"/>
-          </a:p>
-        </p:txBody>
-      </p:sp>
-      <p:pic>
-        <p:nvPicPr>
-          <p:cNvPr id="9" name="그림 8">
-            <a:extLst>
-              <a:ext uri="{FF2B5EF4-FFF2-40B4-BE49-F238E27FC236}">
-                <a16:creationId xmlns:a16="http://schemas.microsoft.com/office/drawing/2014/main" id="{775BDD9E-C115-41B1-A7E9-00178F6C6FE4}"/>
-              </a:ext>
-            </a:extLst>
-          </p:cNvPr>
+          <p:cNvPr id="5" name="그림 4"/>
           <p:cNvPicPr>
             <a:picLocks noChangeAspect="1"/>
           </p:cNvPicPr>
@@ -19936,8 +21287,8 @@
         </p:blipFill>
         <p:spPr>
           <a:xfrm>
-            <a:off x="556329" y="2768537"/>
-            <a:ext cx="6960112" cy="1413684"/>
+            <a:off x="683568" y="1340768"/>
+            <a:ext cx="8161727" cy="4320914"/>
           </a:xfrm>
           <a:prstGeom prst="rect">
             <a:avLst/>
@@ -19945,93 +21296,7 @@
           <a:ln>
             <a:solidFill>
               <a:schemeClr val="bg1">
-                <a:lumMod val="95000"/>
-              </a:schemeClr>
-            </a:solidFill>
-          </a:ln>
-        </p:spPr>
-      </p:pic>
-      <p:pic>
-        <p:nvPicPr>
-          <p:cNvPr id="11" name="그림 10">
-            <a:extLst>
-              <a:ext uri="{FF2B5EF4-FFF2-40B4-BE49-F238E27FC236}">
-                <a16:creationId xmlns:a16="http://schemas.microsoft.com/office/drawing/2014/main" id="{CF13E3E6-0577-4EE6-B860-3347ADDAE223}"/>
-              </a:ext>
-            </a:extLst>
-          </p:cNvPr>
-          <p:cNvPicPr>
-            <a:picLocks noChangeAspect="1"/>
-          </p:cNvPicPr>
-          <p:nvPr/>
-        </p:nvPicPr>
-        <p:blipFill>
-          <a:blip r:embed="rId3">
-            <a:extLst>
-              <a:ext uri="{28A0092B-C50C-407E-A947-70E740481C1C}">
-                <a14:useLocalDpi xmlns:a14="http://schemas.microsoft.com/office/drawing/2010/main" val="0"/>
-              </a:ext>
-            </a:extLst>
-          </a:blip>
-          <a:stretch>
-            <a:fillRect/>
-          </a:stretch>
-        </p:blipFill>
-        <p:spPr>
-          <a:xfrm>
-            <a:off x="556329" y="4362076"/>
-            <a:ext cx="7776864" cy="1257277"/>
-          </a:xfrm>
-          <a:prstGeom prst="rect">
-            <a:avLst/>
-          </a:prstGeom>
-          <a:ln>
-            <a:solidFill>
-              <a:schemeClr val="bg1">
-                <a:lumMod val="95000"/>
-              </a:schemeClr>
-            </a:solidFill>
-          </a:ln>
-        </p:spPr>
-      </p:pic>
-      <p:pic>
-        <p:nvPicPr>
-          <p:cNvPr id="13" name="그림 12">
-            <a:extLst>
-              <a:ext uri="{FF2B5EF4-FFF2-40B4-BE49-F238E27FC236}">
-                <a16:creationId xmlns:a16="http://schemas.microsoft.com/office/drawing/2014/main" id="{4DB4AD7D-7812-4BCE-BFC7-7E0F80AF5459}"/>
-              </a:ext>
-            </a:extLst>
-          </p:cNvPr>
-          <p:cNvPicPr>
-            <a:picLocks noChangeAspect="1"/>
-          </p:cNvPicPr>
-          <p:nvPr/>
-        </p:nvPicPr>
-        <p:blipFill>
-          <a:blip r:embed="rId4">
-            <a:extLst>
-              <a:ext uri="{28A0092B-C50C-407E-A947-70E740481C1C}">
-                <a14:useLocalDpi xmlns:a14="http://schemas.microsoft.com/office/drawing/2010/main" val="0"/>
-              </a:ext>
-            </a:extLst>
-          </a:blip>
-          <a:stretch>
-            <a:fillRect/>
-          </a:stretch>
-        </p:blipFill>
-        <p:spPr>
-          <a:xfrm>
-            <a:off x="556329" y="1502627"/>
-            <a:ext cx="7065653" cy="993297"/>
-          </a:xfrm>
-          <a:prstGeom prst="rect">
-            <a:avLst/>
-          </a:prstGeom>
-          <a:ln>
-            <a:solidFill>
-              <a:schemeClr val="bg1">
-                <a:lumMod val="95000"/>
+                <a:lumMod val="85000"/>
               </a:schemeClr>
             </a:solidFill>
           </a:ln>
@@ -20040,7 +21305,7 @@
     </p:spTree>
     <p:extLst>
       <p:ext uri="{BB962C8B-B14F-4D97-AF65-F5344CB8AC3E}">
-        <p14:creationId xmlns:p14="http://schemas.microsoft.com/office/powerpoint/2010/main" val="3253179263"/>
+        <p14:creationId xmlns:p14="http://schemas.microsoft.com/office/powerpoint/2010/main" val="1839423189"/>
       </p:ext>
     </p:extLst>
   </p:cSld>
